--- a/doc/Location TVM.pptx
+++ b/doc/Location TVM.pptx
@@ -5,10 +5,10 @@
     <p:sldMasterId id="2147483666" r:id="rId4"/>
   </p:sldMasterIdLst>
   <p:notesMasterIdLst>
-    <p:notesMasterId r:id="rId20"/>
+    <p:notesMasterId r:id="rId19"/>
   </p:notesMasterIdLst>
   <p:handoutMasterIdLst>
-    <p:handoutMasterId r:id="rId21"/>
+    <p:handoutMasterId r:id="rId20"/>
   </p:handoutMasterIdLst>
   <p:sldIdLst>
     <p:sldId id="256" r:id="rId5"/>
@@ -17,15 +17,14 @@
     <p:sldId id="278" r:id="rId8"/>
     <p:sldId id="266" r:id="rId9"/>
     <p:sldId id="293" r:id="rId10"/>
-    <p:sldId id="263" r:id="rId11"/>
+    <p:sldId id="306" r:id="rId11"/>
     <p:sldId id="302" r:id="rId12"/>
-    <p:sldId id="265" r:id="rId13"/>
-    <p:sldId id="297" r:id="rId14"/>
-    <p:sldId id="268" r:id="rId15"/>
-    <p:sldId id="303" r:id="rId16"/>
-    <p:sldId id="304" r:id="rId17"/>
-    <p:sldId id="275" r:id="rId18"/>
-    <p:sldId id="276" r:id="rId19"/>
+    <p:sldId id="305" r:id="rId13"/>
+    <p:sldId id="268" r:id="rId14"/>
+    <p:sldId id="303" r:id="rId15"/>
+    <p:sldId id="304" r:id="rId16"/>
+    <p:sldId id="275" r:id="rId17"/>
+    <p:sldId id="276" r:id="rId18"/>
   </p:sldIdLst>
   <p:sldSz cx="12192000" cy="6858000"/>
   <p:notesSz cx="6858000" cy="9144000"/>
@@ -792,262 +791,6 @@
 </p:notes>
 </file>
 
-<file path=ppt/notesSlides/notesSlide10.xml><?xml version="1.0" encoding="utf-8"?>
-<p:notes xmlns:a="http://schemas.openxmlformats.org/drawingml/2006/main" xmlns:r="http://schemas.openxmlformats.org/officeDocument/2006/relationships" xmlns:p="http://schemas.openxmlformats.org/presentationml/2006/main">
-  <p:cSld>
-    <p:spTree>
-      <p:nvGrpSpPr>
-        <p:cNvPr id="1" name=""/>
-        <p:cNvGrpSpPr/>
-        <p:nvPr/>
-      </p:nvGrpSpPr>
-      <p:grpSpPr>
-        <a:xfrm>
-          <a:off x="0" y="0"/>
-          <a:ext cx="0" cy="0"/>
-          <a:chOff x="0" y="0"/>
-          <a:chExt cx="0" cy="0"/>
-        </a:xfrm>
-      </p:grpSpPr>
-      <p:sp>
-        <p:nvSpPr>
-          <p:cNvPr id="2" name="Espace réservé de l'image des diapositives 1"/>
-          <p:cNvSpPr>
-            <a:spLocks noGrp="1" noRot="1" noChangeAspect="1"/>
-          </p:cNvSpPr>
-          <p:nvPr>
-            <p:ph type="sldImg"/>
-          </p:nvPr>
-        </p:nvSpPr>
-        <p:spPr/>
-      </p:sp>
-      <p:sp>
-        <p:nvSpPr>
-          <p:cNvPr id="3" name="Espace réservé des notes 2"/>
-          <p:cNvSpPr>
-            <a:spLocks noGrp="1"/>
-          </p:cNvSpPr>
-          <p:nvPr>
-            <p:ph type="body" idx="1"/>
-          </p:nvPr>
-        </p:nvSpPr>
-        <p:spPr/>
-        <p:txBody>
-          <a:bodyPr/>
-          <a:lstStyle/>
-          <a:p>
-            <a:endParaRPr lang="fr-FR"/>
-          </a:p>
-        </p:txBody>
-      </p:sp>
-      <p:sp>
-        <p:nvSpPr>
-          <p:cNvPr id="4" name="Espace réservé du numéro de diapositive 3"/>
-          <p:cNvSpPr>
-            <a:spLocks noGrp="1"/>
-          </p:cNvSpPr>
-          <p:nvPr>
-            <p:ph type="sldNum" sz="quarter" idx="5"/>
-          </p:nvPr>
-        </p:nvSpPr>
-        <p:spPr/>
-        <p:txBody>
-          <a:bodyPr/>
-          <a:lstStyle/>
-          <a:p>
-            <a:pPr rtl="0"/>
-            <a:fld id="{D4B9A9E5-4F7F-4A7D-9DE1-899232329269}" type="slidenum">
-              <a:rPr lang="fr-FR" smtClean="0"/>
-              <a:t>11</a:t>
-            </a:fld>
-            <a:endParaRPr lang="fr-FR"/>
-          </a:p>
-        </p:txBody>
-      </p:sp>
-    </p:spTree>
-    <p:extLst>
-      <p:ext uri="{BB962C8B-B14F-4D97-AF65-F5344CB8AC3E}">
-        <p14:creationId xmlns:p14="http://schemas.microsoft.com/office/powerpoint/2010/main" val="3303596798"/>
-      </p:ext>
-    </p:extLst>
-  </p:cSld>
-  <p:clrMapOvr>
-    <a:masterClrMapping/>
-  </p:clrMapOvr>
-</p:notes>
-</file>
-
-<file path=ppt/notesSlides/notesSlide11.xml><?xml version="1.0" encoding="utf-8"?>
-<p:notes xmlns:a="http://schemas.openxmlformats.org/drawingml/2006/main" xmlns:r="http://schemas.openxmlformats.org/officeDocument/2006/relationships" xmlns:p="http://schemas.openxmlformats.org/presentationml/2006/main">
-  <p:cSld>
-    <p:spTree>
-      <p:nvGrpSpPr>
-        <p:cNvPr id="1" name=""/>
-        <p:cNvGrpSpPr/>
-        <p:nvPr/>
-      </p:nvGrpSpPr>
-      <p:grpSpPr>
-        <a:xfrm>
-          <a:off x="0" y="0"/>
-          <a:ext cx="0" cy="0"/>
-          <a:chOff x="0" y="0"/>
-          <a:chExt cx="0" cy="0"/>
-        </a:xfrm>
-      </p:grpSpPr>
-      <p:sp>
-        <p:nvSpPr>
-          <p:cNvPr id="2" name="Espace réservé de l'image des diapositives 1"/>
-          <p:cNvSpPr>
-            <a:spLocks noGrp="1" noRot="1" noChangeAspect="1"/>
-          </p:cNvSpPr>
-          <p:nvPr>
-            <p:ph type="sldImg"/>
-          </p:nvPr>
-        </p:nvSpPr>
-        <p:spPr/>
-      </p:sp>
-      <p:sp>
-        <p:nvSpPr>
-          <p:cNvPr id="3" name="Espace réservé des notes 2"/>
-          <p:cNvSpPr>
-            <a:spLocks noGrp="1"/>
-          </p:cNvSpPr>
-          <p:nvPr>
-            <p:ph type="body" idx="1"/>
-          </p:nvPr>
-        </p:nvSpPr>
-        <p:spPr/>
-        <p:txBody>
-          <a:bodyPr/>
-          <a:lstStyle/>
-          <a:p>
-            <a:endParaRPr lang="fr-FR"/>
-          </a:p>
-        </p:txBody>
-      </p:sp>
-      <p:sp>
-        <p:nvSpPr>
-          <p:cNvPr id="4" name="Espace réservé du numéro de diapositive 3"/>
-          <p:cNvSpPr>
-            <a:spLocks noGrp="1"/>
-          </p:cNvSpPr>
-          <p:nvPr>
-            <p:ph type="sldNum" sz="quarter" idx="5"/>
-          </p:nvPr>
-        </p:nvSpPr>
-        <p:spPr/>
-        <p:txBody>
-          <a:bodyPr/>
-          <a:lstStyle/>
-          <a:p>
-            <a:pPr rtl="0"/>
-            <a:fld id="{D4B9A9E5-4F7F-4A7D-9DE1-899232329269}" type="slidenum">
-              <a:rPr lang="fr-FR" smtClean="0"/>
-              <a:t>14</a:t>
-            </a:fld>
-            <a:endParaRPr lang="fr-FR"/>
-          </a:p>
-        </p:txBody>
-      </p:sp>
-    </p:spTree>
-    <p:extLst>
-      <p:ext uri="{BB962C8B-B14F-4D97-AF65-F5344CB8AC3E}">
-        <p14:creationId xmlns:p14="http://schemas.microsoft.com/office/powerpoint/2010/main" val="1030236890"/>
-      </p:ext>
-    </p:extLst>
-  </p:cSld>
-  <p:clrMapOvr>
-    <a:masterClrMapping/>
-  </p:clrMapOvr>
-</p:notes>
-</file>
-
-<file path=ppt/notesSlides/notesSlide12.xml><?xml version="1.0" encoding="utf-8"?>
-<p:notes xmlns:a="http://schemas.openxmlformats.org/drawingml/2006/main" xmlns:r="http://schemas.openxmlformats.org/officeDocument/2006/relationships" xmlns:p="http://schemas.openxmlformats.org/presentationml/2006/main">
-  <p:cSld>
-    <p:spTree>
-      <p:nvGrpSpPr>
-        <p:cNvPr id="1" name=""/>
-        <p:cNvGrpSpPr/>
-        <p:nvPr/>
-      </p:nvGrpSpPr>
-      <p:grpSpPr>
-        <a:xfrm>
-          <a:off x="0" y="0"/>
-          <a:ext cx="0" cy="0"/>
-          <a:chOff x="0" y="0"/>
-          <a:chExt cx="0" cy="0"/>
-        </a:xfrm>
-      </p:grpSpPr>
-      <p:sp>
-        <p:nvSpPr>
-          <p:cNvPr id="2" name="Espace réservé de l’image des diapositives 1"/>
-          <p:cNvSpPr>
-            <a:spLocks noGrp="1" noRot="1" noChangeAspect="1"/>
-          </p:cNvSpPr>
-          <p:nvPr>
-            <p:ph type="sldImg"/>
-          </p:nvPr>
-        </p:nvSpPr>
-        <p:spPr/>
-      </p:sp>
-      <p:sp>
-        <p:nvSpPr>
-          <p:cNvPr id="3" name="Espace réservé des commentaires 2"/>
-          <p:cNvSpPr>
-            <a:spLocks noGrp="1"/>
-          </p:cNvSpPr>
-          <p:nvPr>
-            <p:ph type="body" idx="1"/>
-          </p:nvPr>
-        </p:nvSpPr>
-        <p:spPr/>
-        <p:txBody>
-          <a:bodyPr rtlCol="0"/>
-          <a:lstStyle/>
-          <a:p>
-            <a:pPr rtl="0"/>
-            <a:endParaRPr lang="fr-FR"/>
-          </a:p>
-        </p:txBody>
-      </p:sp>
-      <p:sp>
-        <p:nvSpPr>
-          <p:cNvPr id="4" name="Espace réservé du numéro de diapositive 3"/>
-          <p:cNvSpPr>
-            <a:spLocks noGrp="1"/>
-          </p:cNvSpPr>
-          <p:nvPr>
-            <p:ph type="sldNum" sz="quarter" idx="5"/>
-          </p:nvPr>
-        </p:nvSpPr>
-        <p:spPr/>
-        <p:txBody>
-          <a:bodyPr rtlCol="0"/>
-          <a:lstStyle/>
-          <a:p>
-            <a:pPr rtl="0"/>
-            <a:fld id="{D4B9A9E5-4F7F-4A7D-9DE1-899232329269}" type="slidenum">
-              <a:rPr lang="fr-FR" smtClean="0"/>
-              <a:t>15</a:t>
-            </a:fld>
-            <a:endParaRPr lang="fr-FR"/>
-          </a:p>
-        </p:txBody>
-      </p:sp>
-    </p:spTree>
-    <p:extLst>
-      <p:ext uri="{BB962C8B-B14F-4D97-AF65-F5344CB8AC3E}">
-        <p14:creationId xmlns:p14="http://schemas.microsoft.com/office/powerpoint/2010/main" val="170328207"/>
-      </p:ext>
-    </p:extLst>
-  </p:cSld>
-  <p:clrMapOvr>
-    <a:masterClrMapping/>
-  </p:clrMapOvr>
-</p:notes>
-</file>
-
 <file path=ppt/notesSlides/notesSlide2.xml><?xml version="1.0" encoding="utf-8"?>
 <p:notes xmlns:a="http://schemas.openxmlformats.org/drawingml/2006/main" xmlns:r="http://schemas.openxmlformats.org/officeDocument/2006/relationships" xmlns:p="http://schemas.openxmlformats.org/presentationml/2006/main">
   <p:cSld>
@@ -1494,11 +1237,11 @@
 </file>
 
 <file path=ppt/notesSlides/notesSlide7.xml><?xml version="1.0" encoding="utf-8"?>
-<p:notes xmlns:a="http://schemas.openxmlformats.org/drawingml/2006/main" xmlns:r="http://schemas.openxmlformats.org/officeDocument/2006/relationships" xmlns:p="http://schemas.openxmlformats.org/presentationml/2006/main" showMasterSp="0" showMasterPhAnim="0">
+<p:notes xmlns:a="http://schemas.openxmlformats.org/drawingml/2006/main" xmlns:r="http://schemas.openxmlformats.org/officeDocument/2006/relationships" xmlns:p="http://schemas.openxmlformats.org/presentationml/2006/main">
   <p:cSld>
     <p:spTree>
       <p:nvGrpSpPr>
-        <p:cNvPr id="1" name="Shape 108"/>
+        <p:cNvPr id="1" name=""/>
         <p:cNvGrpSpPr/>
         <p:nvPr/>
       </p:nvGrpSpPr>
@@ -1512,84 +1255,65 @@
       </p:grpSpPr>
       <p:sp>
         <p:nvSpPr>
-          <p:cNvPr id="109" name="Google Shape;109;g2ecbb502a48_0_9:notes"/>
+          <p:cNvPr id="2" name="Espace réservé de l'image des diapositives 1"/>
           <p:cNvSpPr>
             <a:spLocks noGrp="1" noRot="1" noChangeAspect="1"/>
           </p:cNvSpPr>
           <p:nvPr>
-            <p:ph type="sldImg" idx="2"/>
-          </p:nvPr>
-        </p:nvSpPr>
-        <p:spPr>
-          <a:xfrm>
-            <a:off x="381000" y="685800"/>
-            <a:ext cx="6096000" cy="3429000"/>
-          </a:xfrm>
-          <a:custGeom>
-            <a:avLst/>
-            <a:gdLst/>
-            <a:ahLst/>
-            <a:cxnLst/>
-            <a:rect l="l" t="t" r="r" b="b"/>
-            <a:pathLst>
-              <a:path w="120000" h="120000" extrusionOk="0">
-                <a:moveTo>
-                  <a:pt x="0" y="0"/>
-                </a:moveTo>
-                <a:lnTo>
-                  <a:pt x="120000" y="0"/>
-                </a:lnTo>
-                <a:lnTo>
-                  <a:pt x="120000" y="120000"/>
-                </a:lnTo>
-                <a:lnTo>
-                  <a:pt x="0" y="120000"/>
-                </a:lnTo>
-                <a:close/>
-              </a:path>
-            </a:pathLst>
-          </a:custGeom>
-        </p:spPr>
-      </p:sp>
-      <p:sp>
-        <p:nvSpPr>
-          <p:cNvPr id="110" name="Google Shape;110;g2ecbb502a48_0_9:notes"/>
-          <p:cNvSpPr txBox="1">
+            <p:ph type="sldImg"/>
+          </p:nvPr>
+        </p:nvSpPr>
+        <p:spPr/>
+      </p:sp>
+      <p:sp>
+        <p:nvSpPr>
+          <p:cNvPr id="3" name="Espace réservé des notes 2"/>
+          <p:cNvSpPr>
             <a:spLocks noGrp="1"/>
           </p:cNvSpPr>
           <p:nvPr>
             <p:ph type="body" idx="1"/>
           </p:nvPr>
         </p:nvSpPr>
-        <p:spPr>
-          <a:xfrm>
-            <a:off x="685800" y="4343400"/>
-            <a:ext cx="5486400" cy="4114800"/>
-          </a:xfrm>
-          <a:prstGeom prst="rect">
-            <a:avLst/>
-          </a:prstGeom>
-        </p:spPr>
-        <p:txBody>
-          <a:bodyPr spcFirstLastPara="1" wrap="square" lIns="91425" tIns="91425" rIns="91425" bIns="91425" anchor="t" anchorCtr="0">
-            <a:noAutofit/>
-          </a:bodyPr>
+        <p:spPr/>
+        <p:txBody>
+          <a:bodyPr/>
           <a:lstStyle/>
           <a:p>
-            <a:pPr marL="0" lvl="0" indent="0" algn="l" rtl="0">
-              <a:spcBef>
-                <a:spcPts val="0"/>
-              </a:spcBef>
-              <a:spcAft>
-                <a:spcPts val="0"/>
-              </a:spcAft>
-              <a:buNone/>
-            </a:pPr>
-            <a:endParaRPr/>
+            <a:endParaRPr lang="fr-FR"/>
+          </a:p>
+        </p:txBody>
+      </p:sp>
+      <p:sp>
+        <p:nvSpPr>
+          <p:cNvPr id="4" name="Espace réservé du numéro de diapositive 3"/>
+          <p:cNvSpPr>
+            <a:spLocks noGrp="1"/>
+          </p:cNvSpPr>
+          <p:nvPr>
+            <p:ph type="sldNum" sz="quarter" idx="5"/>
+          </p:nvPr>
+        </p:nvSpPr>
+        <p:spPr/>
+        <p:txBody>
+          <a:bodyPr/>
+          <a:lstStyle/>
+          <a:p>
+            <a:pPr rtl="0"/>
+            <a:fld id="{D4B9A9E5-4F7F-4A7D-9DE1-899232329269}" type="slidenum">
+              <a:rPr lang="fr-FR" smtClean="0"/>
+              <a:t>10</a:t>
+            </a:fld>
+            <a:endParaRPr lang="fr-FR"/>
           </a:p>
         </p:txBody>
       </p:sp>
     </p:spTree>
+    <p:extLst>
+      <p:ext uri="{BB962C8B-B14F-4D97-AF65-F5344CB8AC3E}">
+        <p14:creationId xmlns:p14="http://schemas.microsoft.com/office/powerpoint/2010/main" val="3303596798"/>
+      </p:ext>
+    </p:extLst>
   </p:cSld>
   <p:clrMapOvr>
     <a:masterClrMapping/>
@@ -1598,11 +1322,11 @@
 </file>
 
 <file path=ppt/notesSlides/notesSlide8.xml><?xml version="1.0" encoding="utf-8"?>
-<p:notes xmlns:a="http://schemas.openxmlformats.org/drawingml/2006/main" xmlns:r="http://schemas.openxmlformats.org/officeDocument/2006/relationships" xmlns:p="http://schemas.openxmlformats.org/presentationml/2006/main" showMasterSp="0" showMasterPhAnim="0">
+<p:notes xmlns:a="http://schemas.openxmlformats.org/drawingml/2006/main" xmlns:r="http://schemas.openxmlformats.org/officeDocument/2006/relationships" xmlns:p="http://schemas.openxmlformats.org/presentationml/2006/main">
   <p:cSld>
     <p:spTree>
       <p:nvGrpSpPr>
-        <p:cNvPr id="1" name="Shape 118"/>
+        <p:cNvPr id="1" name=""/>
         <p:cNvGrpSpPr/>
         <p:nvPr/>
       </p:nvGrpSpPr>
@@ -1616,84 +1340,65 @@
       </p:grpSpPr>
       <p:sp>
         <p:nvSpPr>
-          <p:cNvPr id="119" name="Google Shape;119;g2ecbb502a48_0_19:notes"/>
+          <p:cNvPr id="2" name="Espace réservé de l'image des diapositives 1"/>
           <p:cNvSpPr>
             <a:spLocks noGrp="1" noRot="1" noChangeAspect="1"/>
           </p:cNvSpPr>
           <p:nvPr>
-            <p:ph type="sldImg" idx="2"/>
-          </p:nvPr>
-        </p:nvSpPr>
-        <p:spPr>
-          <a:xfrm>
-            <a:off x="381000" y="685800"/>
-            <a:ext cx="6096000" cy="3429000"/>
-          </a:xfrm>
-          <a:custGeom>
-            <a:avLst/>
-            <a:gdLst/>
-            <a:ahLst/>
-            <a:cxnLst/>
-            <a:rect l="l" t="t" r="r" b="b"/>
-            <a:pathLst>
-              <a:path w="120000" h="120000" extrusionOk="0">
-                <a:moveTo>
-                  <a:pt x="0" y="0"/>
-                </a:moveTo>
-                <a:lnTo>
-                  <a:pt x="120000" y="0"/>
-                </a:lnTo>
-                <a:lnTo>
-                  <a:pt x="120000" y="120000"/>
-                </a:lnTo>
-                <a:lnTo>
-                  <a:pt x="0" y="120000"/>
-                </a:lnTo>
-                <a:close/>
-              </a:path>
-            </a:pathLst>
-          </a:custGeom>
-        </p:spPr>
-      </p:sp>
-      <p:sp>
-        <p:nvSpPr>
-          <p:cNvPr id="120" name="Google Shape;120;g2ecbb502a48_0_19:notes"/>
-          <p:cNvSpPr txBox="1">
+            <p:ph type="sldImg"/>
+          </p:nvPr>
+        </p:nvSpPr>
+        <p:spPr/>
+      </p:sp>
+      <p:sp>
+        <p:nvSpPr>
+          <p:cNvPr id="3" name="Espace réservé des notes 2"/>
+          <p:cNvSpPr>
             <a:spLocks noGrp="1"/>
           </p:cNvSpPr>
           <p:nvPr>
             <p:ph type="body" idx="1"/>
           </p:nvPr>
         </p:nvSpPr>
-        <p:spPr>
-          <a:xfrm>
-            <a:off x="685800" y="4343400"/>
-            <a:ext cx="5486400" cy="4114800"/>
-          </a:xfrm>
-          <a:prstGeom prst="rect">
-            <a:avLst/>
-          </a:prstGeom>
-        </p:spPr>
-        <p:txBody>
-          <a:bodyPr spcFirstLastPara="1" wrap="square" lIns="91425" tIns="91425" rIns="91425" bIns="91425" anchor="t" anchorCtr="0">
-            <a:noAutofit/>
-          </a:bodyPr>
+        <p:spPr/>
+        <p:txBody>
+          <a:bodyPr/>
           <a:lstStyle/>
           <a:p>
-            <a:pPr marL="0" lvl="0" indent="0" algn="l" rtl="0">
-              <a:spcBef>
-                <a:spcPts val="0"/>
-              </a:spcBef>
-              <a:spcAft>
-                <a:spcPts val="0"/>
-              </a:spcAft>
-              <a:buNone/>
-            </a:pPr>
-            <a:endParaRPr/>
+            <a:endParaRPr lang="fr-FR"/>
+          </a:p>
+        </p:txBody>
+      </p:sp>
+      <p:sp>
+        <p:nvSpPr>
+          <p:cNvPr id="4" name="Espace réservé du numéro de diapositive 3"/>
+          <p:cNvSpPr>
+            <a:spLocks noGrp="1"/>
+          </p:cNvSpPr>
+          <p:nvPr>
+            <p:ph type="sldNum" sz="quarter" idx="5"/>
+          </p:nvPr>
+        </p:nvSpPr>
+        <p:spPr/>
+        <p:txBody>
+          <a:bodyPr/>
+          <a:lstStyle/>
+          <a:p>
+            <a:pPr rtl="0"/>
+            <a:fld id="{D4B9A9E5-4F7F-4A7D-9DE1-899232329269}" type="slidenum">
+              <a:rPr lang="fr-FR" smtClean="0"/>
+              <a:t>13</a:t>
+            </a:fld>
+            <a:endParaRPr lang="fr-FR"/>
           </a:p>
         </p:txBody>
       </p:sp>
     </p:spTree>
+    <p:extLst>
+      <p:ext uri="{BB962C8B-B14F-4D97-AF65-F5344CB8AC3E}">
+        <p14:creationId xmlns:p14="http://schemas.microsoft.com/office/powerpoint/2010/main" val="1030236890"/>
+      </p:ext>
+    </p:extLst>
   </p:cSld>
   <p:clrMapOvr>
     <a:masterClrMapping/>
@@ -1702,11 +1407,11 @@
 </file>
 
 <file path=ppt/notesSlides/notesSlide9.xml><?xml version="1.0" encoding="utf-8"?>
-<p:notes xmlns:a="http://schemas.openxmlformats.org/drawingml/2006/main" xmlns:r="http://schemas.openxmlformats.org/officeDocument/2006/relationships" xmlns:p="http://schemas.openxmlformats.org/presentationml/2006/main" showMasterSp="0" showMasterPhAnim="0">
+<p:notes xmlns:a="http://schemas.openxmlformats.org/drawingml/2006/main" xmlns:r="http://schemas.openxmlformats.org/officeDocument/2006/relationships" xmlns:p="http://schemas.openxmlformats.org/presentationml/2006/main">
   <p:cSld>
     <p:spTree>
       <p:nvGrpSpPr>
-        <p:cNvPr id="1" name="Shape 123"/>
+        <p:cNvPr id="1" name=""/>
         <p:cNvGrpSpPr/>
         <p:nvPr/>
       </p:nvGrpSpPr>
@@ -1720,84 +1425,66 @@
       </p:grpSpPr>
       <p:sp>
         <p:nvSpPr>
-          <p:cNvPr id="124" name="Google Shape;124;g2ecbb502a48_0_24:notes"/>
+          <p:cNvPr id="2" name="Espace réservé de l’image des diapositives 1"/>
           <p:cNvSpPr>
             <a:spLocks noGrp="1" noRot="1" noChangeAspect="1"/>
           </p:cNvSpPr>
           <p:nvPr>
-            <p:ph type="sldImg" idx="2"/>
-          </p:nvPr>
-        </p:nvSpPr>
-        <p:spPr>
-          <a:xfrm>
-            <a:off x="381000" y="685800"/>
-            <a:ext cx="6096000" cy="3429000"/>
-          </a:xfrm>
-          <a:custGeom>
-            <a:avLst/>
-            <a:gdLst/>
-            <a:ahLst/>
-            <a:cxnLst/>
-            <a:rect l="l" t="t" r="r" b="b"/>
-            <a:pathLst>
-              <a:path w="120000" h="120000" extrusionOk="0">
-                <a:moveTo>
-                  <a:pt x="0" y="0"/>
-                </a:moveTo>
-                <a:lnTo>
-                  <a:pt x="120000" y="0"/>
-                </a:lnTo>
-                <a:lnTo>
-                  <a:pt x="120000" y="120000"/>
-                </a:lnTo>
-                <a:lnTo>
-                  <a:pt x="0" y="120000"/>
-                </a:lnTo>
-                <a:close/>
-              </a:path>
-            </a:pathLst>
-          </a:custGeom>
-        </p:spPr>
-      </p:sp>
-      <p:sp>
-        <p:nvSpPr>
-          <p:cNvPr id="125" name="Google Shape;125;g2ecbb502a48_0_24:notes"/>
-          <p:cNvSpPr txBox="1">
+            <p:ph type="sldImg"/>
+          </p:nvPr>
+        </p:nvSpPr>
+        <p:spPr/>
+      </p:sp>
+      <p:sp>
+        <p:nvSpPr>
+          <p:cNvPr id="3" name="Espace réservé des commentaires 2"/>
+          <p:cNvSpPr>
             <a:spLocks noGrp="1"/>
           </p:cNvSpPr>
           <p:nvPr>
             <p:ph type="body" idx="1"/>
           </p:nvPr>
         </p:nvSpPr>
-        <p:spPr>
-          <a:xfrm>
-            <a:off x="685800" y="4343400"/>
-            <a:ext cx="5486400" cy="4114800"/>
-          </a:xfrm>
-          <a:prstGeom prst="rect">
-            <a:avLst/>
-          </a:prstGeom>
-        </p:spPr>
-        <p:txBody>
-          <a:bodyPr spcFirstLastPara="1" wrap="square" lIns="91425" tIns="91425" rIns="91425" bIns="91425" anchor="t" anchorCtr="0">
-            <a:noAutofit/>
-          </a:bodyPr>
+        <p:spPr/>
+        <p:txBody>
+          <a:bodyPr rtlCol="0"/>
           <a:lstStyle/>
           <a:p>
-            <a:pPr marL="0" lvl="0" indent="0" algn="l" rtl="0">
-              <a:spcBef>
-                <a:spcPts val="0"/>
-              </a:spcBef>
-              <a:spcAft>
-                <a:spcPts val="0"/>
-              </a:spcAft>
-              <a:buNone/>
-            </a:pPr>
-            <a:endParaRPr/>
+            <a:pPr rtl="0"/>
+            <a:endParaRPr lang="fr-FR"/>
+          </a:p>
+        </p:txBody>
+      </p:sp>
+      <p:sp>
+        <p:nvSpPr>
+          <p:cNvPr id="4" name="Espace réservé du numéro de diapositive 3"/>
+          <p:cNvSpPr>
+            <a:spLocks noGrp="1"/>
+          </p:cNvSpPr>
+          <p:nvPr>
+            <p:ph type="sldNum" sz="quarter" idx="5"/>
+          </p:nvPr>
+        </p:nvSpPr>
+        <p:spPr/>
+        <p:txBody>
+          <a:bodyPr rtlCol="0"/>
+          <a:lstStyle/>
+          <a:p>
+            <a:pPr rtl="0"/>
+            <a:fld id="{D4B9A9E5-4F7F-4A7D-9DE1-899232329269}" type="slidenum">
+              <a:rPr lang="fr-FR" smtClean="0"/>
+              <a:t>14</a:t>
+            </a:fld>
+            <a:endParaRPr lang="fr-FR"/>
           </a:p>
         </p:txBody>
       </p:sp>
     </p:spTree>
+    <p:extLst>
+      <p:ext uri="{BB962C8B-B14F-4D97-AF65-F5344CB8AC3E}">
+        <p14:creationId xmlns:p14="http://schemas.microsoft.com/office/powerpoint/2010/main" val="170328207"/>
+      </p:ext>
+    </p:extLst>
   </p:cSld>
   <p:clrMapOvr>
     <a:masterClrMapping/>
@@ -12583,443 +12270,6 @@
 </p:sldLayout>
 </file>
 
-<file path=ppt/slideLayouts/slideLayout21.xml><?xml version="1.0" encoding="utf-8"?>
-<p:sldLayout xmlns:a="http://schemas.openxmlformats.org/drawingml/2006/main" xmlns:r="http://schemas.openxmlformats.org/officeDocument/2006/relationships" xmlns:p="http://schemas.openxmlformats.org/presentationml/2006/main" matchingName="Title and body" type="tx">
-  <p:cSld name="Title and body">
-    <p:spTree>
-      <p:nvGrpSpPr>
-        <p:cNvPr id="1" name="Shape 21"/>
-        <p:cNvGrpSpPr/>
-        <p:nvPr/>
-      </p:nvGrpSpPr>
-      <p:grpSpPr>
-        <a:xfrm>
-          <a:off x="0" y="0"/>
-          <a:ext cx="0" cy="0"/>
-          <a:chOff x="0" y="0"/>
-          <a:chExt cx="0" cy="0"/>
-        </a:xfrm>
-      </p:grpSpPr>
-      <p:cxnSp>
-        <p:nvCxnSpPr>
-          <p:cNvPr id="22" name="Google Shape;22;p4"/>
-          <p:cNvCxnSpPr/>
-          <p:nvPr/>
-        </p:nvCxnSpPr>
-        <p:spPr>
-          <a:xfrm>
-            <a:off x="3303632" y="554200"/>
-            <a:ext cx="8325600" cy="0"/>
-          </a:xfrm>
-          <a:prstGeom prst="straightConnector1">
-            <a:avLst/>
-          </a:prstGeom>
-          <a:noFill/>
-          <a:ln w="38100" cap="flat" cmpd="sng">
-            <a:solidFill>
-              <a:schemeClr val="dk2"/>
-            </a:solidFill>
-            <a:prstDash val="solid"/>
-            <a:round/>
-            <a:headEnd type="none" w="sm" len="sm"/>
-            <a:tailEnd type="none" w="sm" len="sm"/>
-          </a:ln>
-        </p:spPr>
-      </p:cxnSp>
-      <p:cxnSp>
-        <p:nvCxnSpPr>
-          <p:cNvPr id="23" name="Google Shape;23;p4"/>
-          <p:cNvCxnSpPr/>
-          <p:nvPr/>
-        </p:nvCxnSpPr>
-        <p:spPr>
-          <a:xfrm>
-            <a:off x="3303632" y="6320000"/>
-            <a:ext cx="8325600" cy="0"/>
-          </a:xfrm>
-          <a:prstGeom prst="straightConnector1">
-            <a:avLst/>
-          </a:prstGeom>
-          <a:noFill/>
-          <a:ln w="19050" cap="flat" cmpd="sng">
-            <a:solidFill>
-              <a:schemeClr val="dk2"/>
-            </a:solidFill>
-            <a:prstDash val="solid"/>
-            <a:round/>
-            <a:headEnd type="none" w="sm" len="sm"/>
-            <a:tailEnd type="none" w="sm" len="sm"/>
-          </a:ln>
-        </p:spPr>
-      </p:cxnSp>
-      <p:cxnSp>
-        <p:nvCxnSpPr>
-          <p:cNvPr id="24" name="Google Shape;24;p4"/>
-          <p:cNvCxnSpPr/>
-          <p:nvPr/>
-        </p:nvCxnSpPr>
-        <p:spPr>
-          <a:xfrm>
-            <a:off x="566931" y="554200"/>
-            <a:ext cx="244400" cy="0"/>
-          </a:xfrm>
-          <a:prstGeom prst="straightConnector1">
-            <a:avLst/>
-          </a:prstGeom>
-          <a:noFill/>
-          <a:ln w="19050" cap="flat" cmpd="sng">
-            <a:solidFill>
-              <a:schemeClr val="dk2"/>
-            </a:solidFill>
-            <a:prstDash val="solid"/>
-            <a:round/>
-            <a:headEnd type="none" w="sm" len="sm"/>
-            <a:tailEnd type="none" w="sm" len="sm"/>
-          </a:ln>
-        </p:spPr>
-      </p:cxnSp>
-      <p:sp>
-        <p:nvSpPr>
-          <p:cNvPr id="25" name="Google Shape;25;p4"/>
-          <p:cNvSpPr txBox="1">
-            <a:spLocks noGrp="1"/>
-          </p:cNvSpPr>
-          <p:nvPr>
-            <p:ph type="title"/>
-          </p:nvPr>
-        </p:nvSpPr>
-        <p:spPr>
-          <a:xfrm>
-            <a:off x="3200333" y="767933"/>
-            <a:ext cx="8428800" cy="847200"/>
-          </a:xfrm>
-          <a:prstGeom prst="rect">
-            <a:avLst/>
-          </a:prstGeom>
-        </p:spPr>
-        <p:txBody>
-          <a:bodyPr spcFirstLastPara="1" wrap="square" lIns="91425" tIns="91425" rIns="91425" bIns="91425" anchor="t" anchorCtr="0">
-            <a:noAutofit/>
-          </a:bodyPr>
-          <a:lstStyle>
-            <a:lvl1pPr lvl="0">
-              <a:spcBef>
-                <a:spcPts val="0"/>
-              </a:spcBef>
-              <a:spcAft>
-                <a:spcPts val="0"/>
-              </a:spcAft>
-              <a:buSzPts val="3000"/>
-              <a:buNone/>
-              <a:defRPr/>
-            </a:lvl1pPr>
-            <a:lvl2pPr lvl="1">
-              <a:spcBef>
-                <a:spcPts val="0"/>
-              </a:spcBef>
-              <a:spcAft>
-                <a:spcPts val="0"/>
-              </a:spcAft>
-              <a:buSzPts val="3000"/>
-              <a:buNone/>
-              <a:defRPr/>
-            </a:lvl2pPr>
-            <a:lvl3pPr lvl="2">
-              <a:spcBef>
-                <a:spcPts val="0"/>
-              </a:spcBef>
-              <a:spcAft>
-                <a:spcPts val="0"/>
-              </a:spcAft>
-              <a:buSzPts val="3000"/>
-              <a:buNone/>
-              <a:defRPr/>
-            </a:lvl3pPr>
-            <a:lvl4pPr lvl="3">
-              <a:spcBef>
-                <a:spcPts val="0"/>
-              </a:spcBef>
-              <a:spcAft>
-                <a:spcPts val="0"/>
-              </a:spcAft>
-              <a:buSzPts val="3000"/>
-              <a:buNone/>
-              <a:defRPr/>
-            </a:lvl4pPr>
-            <a:lvl5pPr lvl="4">
-              <a:spcBef>
-                <a:spcPts val="0"/>
-              </a:spcBef>
-              <a:spcAft>
-                <a:spcPts val="0"/>
-              </a:spcAft>
-              <a:buSzPts val="3000"/>
-              <a:buNone/>
-              <a:defRPr/>
-            </a:lvl5pPr>
-            <a:lvl6pPr lvl="5">
-              <a:spcBef>
-                <a:spcPts val="0"/>
-              </a:spcBef>
-              <a:spcAft>
-                <a:spcPts val="0"/>
-              </a:spcAft>
-              <a:buSzPts val="3000"/>
-              <a:buNone/>
-              <a:defRPr/>
-            </a:lvl6pPr>
-            <a:lvl7pPr lvl="6">
-              <a:spcBef>
-                <a:spcPts val="0"/>
-              </a:spcBef>
-              <a:spcAft>
-                <a:spcPts val="0"/>
-              </a:spcAft>
-              <a:buSzPts val="3000"/>
-              <a:buNone/>
-              <a:defRPr/>
-            </a:lvl7pPr>
-            <a:lvl8pPr lvl="7">
-              <a:spcBef>
-                <a:spcPts val="0"/>
-              </a:spcBef>
-              <a:spcAft>
-                <a:spcPts val="0"/>
-              </a:spcAft>
-              <a:buSzPts val="3000"/>
-              <a:buNone/>
-              <a:defRPr/>
-            </a:lvl8pPr>
-            <a:lvl9pPr lvl="8">
-              <a:spcBef>
-                <a:spcPts val="0"/>
-              </a:spcBef>
-              <a:spcAft>
-                <a:spcPts val="0"/>
-              </a:spcAft>
-              <a:buSzPts val="3000"/>
-              <a:buNone/>
-              <a:defRPr/>
-            </a:lvl9pPr>
-          </a:lstStyle>
-          <a:p>
-            <a:endParaRPr/>
-          </a:p>
-        </p:txBody>
-      </p:sp>
-      <p:sp>
-        <p:nvSpPr>
-          <p:cNvPr id="26" name="Google Shape;26;p4"/>
-          <p:cNvSpPr txBox="1">
-            <a:spLocks noGrp="1"/>
-          </p:cNvSpPr>
-          <p:nvPr>
-            <p:ph type="body" idx="1"/>
-          </p:nvPr>
-        </p:nvSpPr>
-        <p:spPr>
-          <a:xfrm>
-            <a:off x="3213483" y="2127701"/>
-            <a:ext cx="8428800" cy="4003200"/>
-          </a:xfrm>
-          <a:prstGeom prst="rect">
-            <a:avLst/>
-          </a:prstGeom>
-        </p:spPr>
-        <p:txBody>
-          <a:bodyPr spcFirstLastPara="1" wrap="square" lIns="91425" tIns="91425" rIns="91425" bIns="91425" anchor="t" anchorCtr="0">
-            <a:noAutofit/>
-          </a:bodyPr>
-          <a:lstStyle>
-            <a:lvl1pPr marL="609585" lvl="0" indent="-457189">
-              <a:spcBef>
-                <a:spcPts val="0"/>
-              </a:spcBef>
-              <a:spcAft>
-                <a:spcPts val="0"/>
-              </a:spcAft>
-              <a:buSzPts val="1800"/>
-              <a:buChar char="●"/>
-              <a:defRPr/>
-            </a:lvl1pPr>
-            <a:lvl2pPr marL="1219170" lvl="1" indent="-423323">
-              <a:spcBef>
-                <a:spcPts val="2133"/>
-              </a:spcBef>
-              <a:spcAft>
-                <a:spcPts val="0"/>
-              </a:spcAft>
-              <a:buSzPts val="1400"/>
-              <a:buChar char="○"/>
-              <a:defRPr/>
-            </a:lvl2pPr>
-            <a:lvl3pPr marL="1828754" lvl="2" indent="-423323">
-              <a:spcBef>
-                <a:spcPts val="2133"/>
-              </a:spcBef>
-              <a:spcAft>
-                <a:spcPts val="0"/>
-              </a:spcAft>
-              <a:buSzPts val="1400"/>
-              <a:buChar char="■"/>
-              <a:defRPr/>
-            </a:lvl3pPr>
-            <a:lvl4pPr marL="2438339" lvl="3" indent="-423323">
-              <a:spcBef>
-                <a:spcPts val="2133"/>
-              </a:spcBef>
-              <a:spcAft>
-                <a:spcPts val="0"/>
-              </a:spcAft>
-              <a:buSzPts val="1400"/>
-              <a:buChar char="●"/>
-              <a:defRPr/>
-            </a:lvl4pPr>
-            <a:lvl5pPr marL="3047924" lvl="4" indent="-423323">
-              <a:spcBef>
-                <a:spcPts val="2133"/>
-              </a:spcBef>
-              <a:spcAft>
-                <a:spcPts val="0"/>
-              </a:spcAft>
-              <a:buSzPts val="1400"/>
-              <a:buChar char="○"/>
-              <a:defRPr/>
-            </a:lvl5pPr>
-            <a:lvl6pPr marL="3657509" lvl="5" indent="-423323">
-              <a:spcBef>
-                <a:spcPts val="2133"/>
-              </a:spcBef>
-              <a:spcAft>
-                <a:spcPts val="0"/>
-              </a:spcAft>
-              <a:buSzPts val="1400"/>
-              <a:buChar char="■"/>
-              <a:defRPr/>
-            </a:lvl6pPr>
-            <a:lvl7pPr marL="4267093" lvl="6" indent="-423323">
-              <a:spcBef>
-                <a:spcPts val="2133"/>
-              </a:spcBef>
-              <a:spcAft>
-                <a:spcPts val="0"/>
-              </a:spcAft>
-              <a:buSzPts val="1400"/>
-              <a:buChar char="●"/>
-              <a:defRPr/>
-            </a:lvl7pPr>
-            <a:lvl8pPr marL="4876678" lvl="7" indent="-423323">
-              <a:spcBef>
-                <a:spcPts val="2133"/>
-              </a:spcBef>
-              <a:spcAft>
-                <a:spcPts val="0"/>
-              </a:spcAft>
-              <a:buSzPts val="1400"/>
-              <a:buChar char="○"/>
-              <a:defRPr/>
-            </a:lvl8pPr>
-            <a:lvl9pPr marL="5486263" lvl="8" indent="-423323">
-              <a:spcBef>
-                <a:spcPts val="2133"/>
-              </a:spcBef>
-              <a:spcAft>
-                <a:spcPts val="2133"/>
-              </a:spcAft>
-              <a:buSzPts val="1400"/>
-              <a:buChar char="■"/>
-              <a:defRPr/>
-            </a:lvl9pPr>
-          </a:lstStyle>
-          <a:p>
-            <a:endParaRPr/>
-          </a:p>
-        </p:txBody>
-      </p:sp>
-      <p:sp>
-        <p:nvSpPr>
-          <p:cNvPr id="27" name="Google Shape;27;p4"/>
-          <p:cNvSpPr txBox="1">
-            <a:spLocks noGrp="1"/>
-          </p:cNvSpPr>
-          <p:nvPr>
-            <p:ph type="sldNum" idx="12"/>
-          </p:nvPr>
-        </p:nvSpPr>
-        <p:spPr>
-          <a:xfrm>
-            <a:off x="11330665" y="6251679"/>
-            <a:ext cx="731600" cy="524800"/>
-          </a:xfrm>
-          <a:prstGeom prst="rect">
-            <a:avLst/>
-          </a:prstGeom>
-        </p:spPr>
-        <p:txBody>
-          <a:bodyPr spcFirstLastPara="1" wrap="square" lIns="91425" tIns="91425" rIns="91425" bIns="91425" anchor="ctr" anchorCtr="0">
-            <a:noAutofit/>
-          </a:bodyPr>
-          <a:lstStyle>
-            <a:lvl1pPr lvl="0">
-              <a:buNone/>
-              <a:defRPr/>
-            </a:lvl1pPr>
-            <a:lvl2pPr lvl="1">
-              <a:buNone/>
-              <a:defRPr/>
-            </a:lvl2pPr>
-            <a:lvl3pPr lvl="2">
-              <a:buNone/>
-              <a:defRPr/>
-            </a:lvl3pPr>
-            <a:lvl4pPr lvl="3">
-              <a:buNone/>
-              <a:defRPr/>
-            </a:lvl4pPr>
-            <a:lvl5pPr lvl="4">
-              <a:buNone/>
-              <a:defRPr/>
-            </a:lvl5pPr>
-            <a:lvl6pPr lvl="5">
-              <a:buNone/>
-              <a:defRPr/>
-            </a:lvl6pPr>
-            <a:lvl7pPr lvl="6">
-              <a:buNone/>
-              <a:defRPr/>
-            </a:lvl7pPr>
-            <a:lvl8pPr lvl="7">
-              <a:buNone/>
-              <a:defRPr/>
-            </a:lvl8pPr>
-            <a:lvl9pPr lvl="8">
-              <a:buNone/>
-              <a:defRPr/>
-            </a:lvl9pPr>
-          </a:lstStyle>
-          <a:p>
-            <a:fld id="{00000000-1234-1234-1234-123412341234}" type="slidenum">
-              <a:rPr lang="fr-FR" smtClean="0"/>
-              <a:pPr/>
-              <a:t>‹N°›</a:t>
-            </a:fld>
-            <a:endParaRPr lang="fr-FR"/>
-          </a:p>
-        </p:txBody>
-      </p:sp>
-    </p:spTree>
-    <p:extLst>
-      <p:ext uri="{BB962C8B-B14F-4D97-AF65-F5344CB8AC3E}">
-        <p14:creationId xmlns:p14="http://schemas.microsoft.com/office/powerpoint/2010/main" val="408112634"/>
-      </p:ext>
-    </p:extLst>
-  </p:cSld>
-  <p:clrMapOvr>
-    <a:masterClrMapping/>
-  </p:clrMapOvr>
-</p:sldLayout>
-</file>
-
 <file path=ppt/slideLayouts/slideLayout3.xml><?xml version="1.0" encoding="utf-8"?>
 <p:sldLayout xmlns:a="http://schemas.openxmlformats.org/drawingml/2006/main" xmlns:r="http://schemas.openxmlformats.org/officeDocument/2006/relationships" xmlns:p="http://schemas.openxmlformats.org/presentationml/2006/main" preserve="1">
   <p:cSld name="Chronologie">
@@ -17684,7 +16934,6 @@
     <p:sldLayoutId id="2147483696" r:id="rId18"/>
     <p:sldLayoutId id="2147483677" r:id="rId19"/>
     <p:sldLayoutId id="2147483678" r:id="rId20"/>
-    <p:sldLayoutId id="2147483704" r:id="rId21"/>
   </p:sldLayoutIdLst>
   <p:hf hdr="0"/>
   <p:txStyles>
@@ -18109,7 +17358,7 @@
   <p:cSld>
     <p:spTree>
       <p:nvGrpSpPr>
-        <p:cNvPr id="1" name="Shape 126"/>
+        <p:cNvPr id="1" name=""/>
         <p:cNvGrpSpPr/>
         <p:nvPr/>
       </p:nvGrpSpPr>
@@ -18123,111 +17372,118 @@
       </p:grpSpPr>
       <p:sp>
         <p:nvSpPr>
-          <p:cNvPr id="127" name="Google Shape;127;p23"/>
-          <p:cNvSpPr txBox="1"/>
-          <p:nvPr/>
-        </p:nvSpPr>
-        <p:spPr>
-          <a:xfrm>
-            <a:off x="3385967" y="2312633"/>
-            <a:ext cx="8380400" cy="1768400"/>
-          </a:xfrm>
-          <a:prstGeom prst="rect">
-            <a:avLst/>
-          </a:prstGeom>
-          <a:noFill/>
-          <a:ln>
-            <a:noFill/>
-          </a:ln>
-        </p:spPr>
-        <p:txBody>
-          <a:bodyPr spcFirstLastPara="1" wrap="square" lIns="121900" tIns="121900" rIns="121900" bIns="121900" anchor="t" anchorCtr="0">
-            <a:noAutofit/>
+          <p:cNvPr id="19" name="Espace réservé du contenu 16">
+            <a:extLst>
+              <a:ext uri="{FF2B5EF4-FFF2-40B4-BE49-F238E27FC236}">
+                <a16:creationId xmlns:a16="http://schemas.microsoft.com/office/drawing/2014/main" id="{1CAA8CD9-1C1E-4100-FD62-8EDF48D6903D}"/>
+              </a:ext>
+            </a:extLst>
+          </p:cNvPr>
+          <p:cNvSpPr>
+            <a:spLocks noGrp="1"/>
+          </p:cNvSpPr>
+          <p:nvPr>
+            <p:ph sz="half" idx="2"/>
+          </p:nvPr>
+        </p:nvSpPr>
+        <p:spPr>
+          <a:xfrm>
+            <a:off x="2878616" y="489657"/>
+            <a:ext cx="8622994" cy="5878685"/>
+          </a:xfrm>
+        </p:spPr>
+        <p:txBody>
+          <a:bodyPr>
+            <a:normAutofit fontScale="77500" lnSpcReduction="20000"/>
           </a:bodyPr>
           <a:lstStyle/>
           <a:p>
             <a:r>
-              <a:rPr lang="fr" sz="2400">
-                <a:solidFill>
-                  <a:schemeClr val="dk2"/>
-                </a:solidFill>
-                <a:latin typeface="Fjalla One"/>
-                <a:ea typeface="Fjalla One"/>
-                <a:cs typeface="Fjalla One"/>
-                <a:sym typeface="Fjalla One"/>
-              </a:rPr>
-              <a:t>4. DevOps and Deployment:</a:t>
-            </a:r>
-            <a:endParaRPr sz="2400">
-              <a:solidFill>
-                <a:schemeClr val="dk2"/>
-              </a:solidFill>
-              <a:latin typeface="Fjalla One"/>
-              <a:ea typeface="Fjalla One"/>
-              <a:cs typeface="Fjalla One"/>
-              <a:sym typeface="Fjalla One"/>
-            </a:endParaRPr>
-          </a:p>
-          <a:p>
-            <a:endParaRPr sz="2400">
-              <a:solidFill>
-                <a:schemeClr val="dk2"/>
-              </a:solidFill>
-              <a:latin typeface="Fjalla One"/>
-              <a:ea typeface="Fjalla One"/>
-              <a:cs typeface="Fjalla One"/>
-              <a:sym typeface="Fjalla One"/>
-            </a:endParaRPr>
-          </a:p>
-          <a:p>
-            <a:r>
-              <a:rPr lang="fr" sz="2400">
-                <a:solidFill>
-                  <a:schemeClr val="dk2"/>
-                </a:solidFill>
-                <a:latin typeface="Lato"/>
-                <a:ea typeface="Lato"/>
-                <a:cs typeface="Lato"/>
-                <a:sym typeface="Lato"/>
-              </a:rPr>
-              <a:t>Ensuring the application is reliably deployed and maintained.</a:t>
-            </a:r>
-            <a:endParaRPr sz="2400">
-              <a:solidFill>
-                <a:schemeClr val="dk2"/>
-              </a:solidFill>
-              <a:latin typeface="Lato"/>
-              <a:ea typeface="Lato"/>
-              <a:cs typeface="Lato"/>
-              <a:sym typeface="Lato"/>
-            </a:endParaRPr>
-          </a:p>
-          <a:p>
-            <a:r>
-              <a:rPr lang="fr" sz="2400">
-                <a:solidFill>
-                  <a:schemeClr val="dk2"/>
-                </a:solidFill>
-                <a:latin typeface="Lato"/>
-                <a:ea typeface="Lato"/>
-                <a:cs typeface="Lato"/>
-                <a:sym typeface="Lato"/>
-              </a:rPr>
-              <a:t>Github Actions for continuous integration and deployment.</a:t>
-            </a:r>
-            <a:endParaRPr sz="2400">
-              <a:solidFill>
-                <a:schemeClr val="dk2"/>
-              </a:solidFill>
-              <a:latin typeface="Lato"/>
-              <a:ea typeface="Lato"/>
-              <a:cs typeface="Lato"/>
-              <a:sym typeface="Lato"/>
-            </a:endParaRPr>
+              <a:rPr lang="fr" sz="3100" b="1" i="1" u="sng" dirty="0"/>
+              <a:t>Report on our progress, detailing accomplishments, problems improvements, lessons learned, and next steps.</a:t>
+            </a:r>
+          </a:p>
+          <a:p>
+            <a:endParaRPr lang="fr" sz="2400" dirty="0"/>
+          </a:p>
+          <a:p>
+            <a:r>
+              <a:rPr lang="en-US" sz="3200" b="1" dirty="0"/>
+              <a:t>1. Accomplishments:</a:t>
+            </a:r>
+            <a:endParaRPr lang="en-US" sz="3200" dirty="0"/>
+          </a:p>
+          <a:p>
+            <a:pPr>
+              <a:buFont typeface="Arial" panose="020B0604020202020204" pitchFamily="34" charset="0"/>
+              <a:buChar char="•"/>
+            </a:pPr>
+            <a:r>
+              <a:rPr lang="en-US" sz="3200" dirty="0"/>
+              <a:t>Detail completed tasks, milestones reached, and key achievements.</a:t>
+            </a:r>
+          </a:p>
+          <a:p>
+            <a:endParaRPr lang="en-US" sz="3200" dirty="0"/>
+          </a:p>
+          <a:p>
+            <a:pPr>
+              <a:buFont typeface="Arial" panose="020B0604020202020204" pitchFamily="34" charset="0"/>
+              <a:buChar char="•"/>
+            </a:pPr>
+            <a:r>
+              <a:rPr lang="en-US" sz="3200" dirty="0"/>
+              <a:t>Include any successful implementations, features, or improvements made.</a:t>
+            </a:r>
+          </a:p>
+          <a:p>
+            <a:pPr>
+              <a:buFont typeface="Arial" panose="020B0604020202020204" pitchFamily="34" charset="0"/>
+              <a:buChar char="•"/>
+            </a:pPr>
+            <a:endParaRPr lang="en-US" sz="3200" dirty="0"/>
+          </a:p>
+          <a:p>
+            <a:r>
+              <a:rPr lang="en-US" sz="3200" b="1" dirty="0"/>
+              <a:t>2. Problems:</a:t>
+            </a:r>
+            <a:endParaRPr lang="en-US" sz="3200" dirty="0"/>
+          </a:p>
+          <a:p>
+            <a:pPr>
+              <a:buFont typeface="Arial" panose="020B0604020202020204" pitchFamily="34" charset="0"/>
+              <a:buChar char="•"/>
+            </a:pPr>
+            <a:r>
+              <a:rPr lang="en-US" sz="3200" dirty="0"/>
+              <a:t>Outline any issues or obstacles encountered.</a:t>
+            </a:r>
+          </a:p>
+          <a:p>
+            <a:endParaRPr lang="en-US" sz="3200" dirty="0"/>
+          </a:p>
+          <a:p>
+            <a:pPr>
+              <a:buFont typeface="Arial" panose="020B0604020202020204" pitchFamily="34" charset="0"/>
+              <a:buChar char="•"/>
+            </a:pPr>
+            <a:r>
+              <a:rPr lang="en-US" sz="3200" dirty="0"/>
+              <a:t>Describe how these problems impacted progress and any immediate consequences.</a:t>
+            </a:r>
+          </a:p>
+          <a:p>
+            <a:endParaRPr lang="fr-FR" sz="2400" dirty="0"/>
           </a:p>
         </p:txBody>
       </p:sp>
     </p:spTree>
+    <p:extLst>
+      <p:ext uri="{BB962C8B-B14F-4D97-AF65-F5344CB8AC3E}">
+        <p14:creationId xmlns:p14="http://schemas.microsoft.com/office/powerpoint/2010/main" val="4151694508"/>
+      </p:ext>
+    </p:extLst>
   </p:cSld>
   <p:clrMapOvr>
     <a:masterClrMapping/>
@@ -18254,10 +17510,10 @@
       </p:grpSpPr>
       <p:sp>
         <p:nvSpPr>
-          <p:cNvPr id="19" name="Espace réservé du contenu 16">
-            <a:extLst>
-              <a:ext uri="{FF2B5EF4-FFF2-40B4-BE49-F238E27FC236}">
-                <a16:creationId xmlns:a16="http://schemas.microsoft.com/office/drawing/2014/main" id="{1CAA8CD9-1C1E-4100-FD62-8EDF48D6903D}"/>
+          <p:cNvPr id="4" name="Espace réservé du contenu 3">
+            <a:extLst>
+              <a:ext uri="{FF2B5EF4-FFF2-40B4-BE49-F238E27FC236}">
+                <a16:creationId xmlns:a16="http://schemas.microsoft.com/office/drawing/2014/main" id="{494A403F-0D4F-746F-E2F6-7A51D1F629DB}"/>
               </a:ext>
             </a:extLst>
           </p:cNvPr>
@@ -18270,30 +17526,21 @@
         </p:nvSpPr>
         <p:spPr>
           <a:xfrm>
-            <a:off x="2878616" y="489657"/>
-            <a:ext cx="8622994" cy="5878685"/>
+            <a:off x="3220138" y="308471"/>
+            <a:ext cx="8689095" cy="6406309"/>
           </a:xfrm>
         </p:spPr>
         <p:txBody>
           <a:bodyPr>
-            <a:normAutofit fontScale="77500" lnSpcReduction="20000"/>
+            <a:noAutofit/>
           </a:bodyPr>
           <a:lstStyle/>
           <a:p>
             <a:r>
-              <a:rPr lang="fr" sz="3100" b="1" i="1" u="sng" dirty="0"/>
-              <a:t>Report on our progress, detailing accomplishments, problems improvements, lessons learned, and next steps.</a:t>
-            </a:r>
-          </a:p>
-          <a:p>
-            <a:endParaRPr lang="fr" sz="2400" dirty="0"/>
-          </a:p>
-          <a:p>
-            <a:r>
-              <a:rPr lang="en-US" sz="3200" b="1" dirty="0"/>
-              <a:t>1. Accomplishments:</a:t>
-            </a:r>
-            <a:endParaRPr lang="en-US" sz="3200" dirty="0"/>
+              <a:rPr lang="en-US" sz="2300" b="1" dirty="0"/>
+              <a:t>3. Improvements:</a:t>
+            </a:r>
+            <a:endParaRPr lang="en-US" sz="2300" dirty="0"/>
           </a:p>
           <a:p>
             <a:pPr>
@@ -18301,12 +17548,9 @@
               <a:buChar char="•"/>
             </a:pPr>
             <a:r>
-              <a:rPr lang="en-US" sz="3200" dirty="0"/>
-              <a:t>Detail completed tasks, milestones reached, and key achievements.</a:t>
-            </a:r>
-          </a:p>
-          <a:p>
-            <a:endParaRPr lang="en-US" sz="3200" dirty="0"/>
+              <a:rPr lang="en-US" sz="2300" dirty="0"/>
+              <a:t>Highlight areas where enhancements were made.</a:t>
+            </a:r>
           </a:p>
           <a:p>
             <a:pPr>
@@ -18314,8 +17558,8 @@
               <a:buChar char="•"/>
             </a:pPr>
             <a:r>
-              <a:rPr lang="en-US" sz="3200" dirty="0"/>
-              <a:t>Include any successful implementations, features, or improvements made.</a:t>
+              <a:rPr lang="en-US" sz="2300" dirty="0"/>
+              <a:t>Explain any optimizations or upgrades implemented and their effects.</a:t>
             </a:r>
           </a:p>
           <a:p>
@@ -18323,14 +17567,14 @@
               <a:buFont typeface="Arial" panose="020B0604020202020204" pitchFamily="34" charset="0"/>
               <a:buChar char="•"/>
             </a:pPr>
-            <a:endParaRPr lang="en-US" sz="3200" dirty="0"/>
-          </a:p>
-          <a:p>
-            <a:r>
-              <a:rPr lang="en-US" sz="3200" b="1" dirty="0"/>
-              <a:t>2. Problems:</a:t>
-            </a:r>
-            <a:endParaRPr lang="en-US" sz="3200" dirty="0"/>
+            <a:endParaRPr lang="en-US" sz="2300" dirty="0"/>
+          </a:p>
+          <a:p>
+            <a:r>
+              <a:rPr lang="en-US" sz="2300" b="1" dirty="0"/>
+              <a:t>4. Lessons Learned:</a:t>
+            </a:r>
+            <a:endParaRPr lang="en-US" sz="2300" dirty="0"/>
           </a:p>
           <a:p>
             <a:pPr>
@@ -18338,12 +17582,9 @@
               <a:buChar char="•"/>
             </a:pPr>
             <a:r>
-              <a:rPr lang="en-US" sz="3200" dirty="0"/>
-              <a:t>Outline any issues or obstacles encountered.</a:t>
-            </a:r>
-          </a:p>
-          <a:p>
-            <a:endParaRPr lang="en-US" sz="3200" dirty="0"/>
+              <a:rPr lang="en-US" sz="2300" dirty="0"/>
+              <a:t>Share insights gained from experiences, both positive and negative.</a:t>
+            </a:r>
           </a:p>
           <a:p>
             <a:pPr>
@@ -18351,19 +17592,53 @@
               <a:buChar char="•"/>
             </a:pPr>
             <a:r>
-              <a:rPr lang="en-US" sz="3200" dirty="0"/>
-              <a:t>Describe how these problems impacted progress and any immediate consequences.</a:t>
-            </a:r>
-          </a:p>
-          <a:p>
-            <a:endParaRPr lang="fr-FR" sz="2400" dirty="0"/>
+              <a:rPr lang="en-US" sz="2300" dirty="0"/>
+              <a:t>Discuss what was learned about processes, tools, or strategies.</a:t>
+            </a:r>
+          </a:p>
+          <a:p>
+            <a:pPr>
+              <a:buFont typeface="Arial" panose="020B0604020202020204" pitchFamily="34" charset="0"/>
+              <a:buChar char="•"/>
+            </a:pPr>
+            <a:endParaRPr lang="en-US" sz="2300" dirty="0"/>
+          </a:p>
+          <a:p>
+            <a:r>
+              <a:rPr lang="en-US" sz="2300" b="1" dirty="0"/>
+              <a:t>5. Next Steps:</a:t>
+            </a:r>
+            <a:endParaRPr lang="en-US" sz="2300" dirty="0"/>
+          </a:p>
+          <a:p>
+            <a:pPr>
+              <a:buFont typeface="Arial" panose="020B0604020202020204" pitchFamily="34" charset="0"/>
+              <a:buChar char="•"/>
+            </a:pPr>
+            <a:r>
+              <a:rPr lang="en-US" sz="2300" dirty="0"/>
+              <a:t>Outline the forthcoming tasks and objectives.</a:t>
+            </a:r>
+          </a:p>
+          <a:p>
+            <a:pPr>
+              <a:buFont typeface="Arial" panose="020B0604020202020204" pitchFamily="34" charset="0"/>
+              <a:buChar char="•"/>
+            </a:pPr>
+            <a:r>
+              <a:rPr lang="en-US" sz="2300" dirty="0"/>
+              <a:t>Define the plan for addressing unresolved issues and moving forward.</a:t>
+            </a:r>
+          </a:p>
+          <a:p>
+            <a:endParaRPr lang="fr-FR" sz="2300" dirty="0"/>
           </a:p>
         </p:txBody>
       </p:sp>
     </p:spTree>
     <p:extLst>
       <p:ext uri="{BB962C8B-B14F-4D97-AF65-F5344CB8AC3E}">
-        <p14:creationId xmlns:p14="http://schemas.microsoft.com/office/powerpoint/2010/main" val="4151694508"/>
+        <p14:creationId xmlns:p14="http://schemas.microsoft.com/office/powerpoint/2010/main" val="2450695368"/>
       </p:ext>
     </p:extLst>
   </p:cSld>
@@ -18392,10 +17667,10 @@
       </p:grpSpPr>
       <p:sp>
         <p:nvSpPr>
-          <p:cNvPr id="4" name="Espace réservé du contenu 3">
-            <a:extLst>
-              <a:ext uri="{FF2B5EF4-FFF2-40B4-BE49-F238E27FC236}">
-                <a16:creationId xmlns:a16="http://schemas.microsoft.com/office/drawing/2014/main" id="{494A403F-0D4F-746F-E2F6-7A51D1F629DB}"/>
+          <p:cNvPr id="12" name="Espace réservé du contenu 11">
+            <a:extLst>
+              <a:ext uri="{FF2B5EF4-FFF2-40B4-BE49-F238E27FC236}">
+                <a16:creationId xmlns:a16="http://schemas.microsoft.com/office/drawing/2014/main" id="{9474AB9B-4F1B-1CB9-03B6-C6193834DB45}"/>
               </a:ext>
             </a:extLst>
           </p:cNvPr>
@@ -18408,119 +17683,138 @@
         </p:nvSpPr>
         <p:spPr>
           <a:xfrm>
-            <a:off x="3220138" y="308471"/>
-            <a:ext cx="8689095" cy="6406309"/>
+            <a:off x="3216925" y="341524"/>
+            <a:ext cx="8703326" cy="6180462"/>
           </a:xfrm>
         </p:spPr>
         <p:txBody>
           <a:bodyPr>
-            <a:noAutofit/>
+            <a:normAutofit/>
           </a:bodyPr>
           <a:lstStyle/>
           <a:p>
-            <a:r>
-              <a:rPr lang="en-US" sz="2300" b="1" dirty="0"/>
-              <a:t>3. Improvements:</a:t>
-            </a:r>
-            <a:endParaRPr lang="en-US" sz="2300" dirty="0"/>
-          </a:p>
-          <a:p>
-            <a:pPr>
+            <a:pPr marL="342900" indent="-342900">
+              <a:buFont typeface="Wingdings" panose="05000000000000000000" pitchFamily="2" charset="2"/>
+              <a:buChar char="Ø"/>
+            </a:pPr>
+            <a:r>
+              <a:rPr lang="en-US" sz="2400" b="1" dirty="0"/>
+              <a:t>Challenges Already Identified:</a:t>
+            </a:r>
+            <a:endParaRPr lang="en-US" sz="2400" dirty="0"/>
+          </a:p>
+          <a:p>
+            <a:pPr lvl="1">
               <a:buFont typeface="Arial" panose="020B0604020202020204" pitchFamily="34" charset="0"/>
               <a:buChar char="•"/>
             </a:pPr>
             <a:r>
-              <a:rPr lang="en-US" sz="2300" dirty="0"/>
-              <a:t>Highlight areas where enhancements were made.</a:t>
-            </a:r>
-          </a:p>
-          <a:p>
-            <a:pPr>
+              <a:rPr lang="en-US" sz="2400" b="1" dirty="0"/>
+              <a:t>Scalability:</a:t>
+            </a:r>
+            <a:r>
+              <a:rPr lang="en-US" sz="2400" dirty="0"/>
+              <a:t> Ensuring the system can handle a growing number of users and rental transactions.</a:t>
+            </a:r>
+          </a:p>
+          <a:p>
+            <a:pPr lvl="1">
               <a:buFont typeface="Arial" panose="020B0604020202020204" pitchFamily="34" charset="0"/>
               <a:buChar char="•"/>
             </a:pPr>
             <a:r>
-              <a:rPr lang="en-US" sz="2300" dirty="0"/>
-              <a:t>Explain any optimizations or upgrades implemented and their effects.</a:t>
-            </a:r>
-          </a:p>
-          <a:p>
-            <a:pPr>
+              <a:rPr lang="en-US" sz="2400" b="1" dirty="0"/>
+              <a:t>Real-Time Tracking:</a:t>
+            </a:r>
+            <a:r>
+              <a:rPr lang="en-US" sz="2400" dirty="0"/>
+              <a:t> Implementing accurate GPS tracking and real-time updates.</a:t>
+            </a:r>
+          </a:p>
+          <a:p>
+            <a:pPr lvl="1">
               <a:buFont typeface="Arial" panose="020B0604020202020204" pitchFamily="34" charset="0"/>
               <a:buChar char="•"/>
             </a:pPr>
-            <a:endParaRPr lang="en-US" sz="2300" dirty="0"/>
-          </a:p>
-          <a:p>
-            <a:r>
-              <a:rPr lang="en-US" sz="2300" b="1" dirty="0"/>
-              <a:t>4. Lessons Learned:</a:t>
-            </a:r>
-            <a:endParaRPr lang="en-US" sz="2300" dirty="0"/>
-          </a:p>
-          <a:p>
-            <a:pPr>
+            <a:r>
+              <a:rPr lang="en-US" sz="2400" b="1" dirty="0"/>
+              <a:t>Payment Security:</a:t>
+            </a:r>
+            <a:r>
+              <a:rPr lang="en-US" sz="2400" dirty="0"/>
+              <a:t> Securing transactions and handling sensitive payment information.</a:t>
+            </a:r>
+          </a:p>
+          <a:p>
+            <a:pPr lvl="1">
               <a:buFont typeface="Arial" panose="020B0604020202020204" pitchFamily="34" charset="0"/>
               <a:buChar char="•"/>
             </a:pPr>
             <a:r>
-              <a:rPr lang="en-US" sz="2300" dirty="0"/>
-              <a:t>Share insights gained from experiences, both positive and negative.</a:t>
-            </a:r>
-          </a:p>
-          <a:p>
-            <a:pPr>
+              <a:rPr lang="en-US" sz="2400" b="1" dirty="0"/>
+              <a:t>User Experience:</a:t>
+            </a:r>
+            <a:r>
+              <a:rPr lang="en-US" sz="2400" dirty="0"/>
+              <a:t> Designing an intuitive interface for seamless navigation and booking.</a:t>
+            </a:r>
+          </a:p>
+          <a:p>
+            <a:pPr marL="342900" indent="-342900">
+              <a:buFont typeface="Wingdings" panose="05000000000000000000" pitchFamily="2" charset="2"/>
+              <a:buChar char="Ø"/>
+            </a:pPr>
+            <a:r>
+              <a:rPr lang="en-US" sz="2400" b="1" dirty="0"/>
+              <a:t>Mock-ups (if applicable):</a:t>
+            </a:r>
+            <a:endParaRPr lang="en-US" sz="2400" dirty="0"/>
+          </a:p>
+          <a:p>
+            <a:pPr lvl="1">
               <a:buFont typeface="Arial" panose="020B0604020202020204" pitchFamily="34" charset="0"/>
               <a:buChar char="•"/>
             </a:pPr>
             <a:r>
-              <a:rPr lang="en-US" sz="2300" dirty="0"/>
-              <a:t>Discuss what was learned about processes, tools, or strategies.</a:t>
-            </a:r>
-          </a:p>
-          <a:p>
-            <a:pPr>
+              <a:rPr lang="en-US" sz="2400" b="1" dirty="0"/>
+              <a:t>User Interface Mock-ups:</a:t>
+            </a:r>
+            <a:r>
+              <a:rPr lang="en-US" sz="2400" dirty="0"/>
+              <a:t> Provide visual designs for the user dashboard, booking screens, and rental options.</a:t>
+            </a:r>
+          </a:p>
+          <a:p>
+            <a:pPr lvl="1">
               <a:buFont typeface="Arial" panose="020B0604020202020204" pitchFamily="34" charset="0"/>
               <a:buChar char="•"/>
             </a:pPr>
-            <a:endParaRPr lang="en-US" sz="2300" dirty="0"/>
-          </a:p>
-          <a:p>
-            <a:r>
-              <a:rPr lang="en-US" sz="2300" b="1" dirty="0"/>
-              <a:t>5. Next Steps:</a:t>
-            </a:r>
-            <a:endParaRPr lang="en-US" sz="2300" dirty="0"/>
-          </a:p>
-          <a:p>
-            <a:pPr>
-              <a:buFont typeface="Arial" panose="020B0604020202020204" pitchFamily="34" charset="0"/>
-              <a:buChar char="•"/>
-            </a:pPr>
-            <a:r>
-              <a:rPr lang="en-US" sz="2300" dirty="0"/>
-              <a:t>Outline the forthcoming tasks and objectives.</a:t>
-            </a:r>
-          </a:p>
-          <a:p>
-            <a:pPr>
-              <a:buFont typeface="Arial" panose="020B0604020202020204" pitchFamily="34" charset="0"/>
-              <a:buChar char="•"/>
-            </a:pPr>
-            <a:r>
-              <a:rPr lang="en-US" sz="2300" dirty="0"/>
-              <a:t>Define the plan for addressing unresolved issues and moving forward.</a:t>
-            </a:r>
-          </a:p>
-          <a:p>
-            <a:endParaRPr lang="fr-FR" sz="2300" dirty="0"/>
+            <a:r>
+              <a:rPr lang="en-US" sz="2400" b="1" dirty="0"/>
+              <a:t>System Flow Diagrams:</a:t>
+            </a:r>
+            <a:r>
+              <a:rPr lang="en-US" sz="2400" dirty="0"/>
+              <a:t> Illustrate the flow of data and interactions between the front-end, </a:t>
+            </a:r>
+            <a:r>
+              <a:rPr lang="en-US" sz="2400" dirty="0" err="1"/>
+              <a:t>back-end</a:t>
+            </a:r>
+            <a:r>
+              <a:rPr lang="en-US" sz="2400" dirty="0"/>
+              <a:t>, and external services.</a:t>
+            </a:r>
+          </a:p>
+          <a:p>
+            <a:endParaRPr lang="fr-FR" dirty="0"/>
           </a:p>
         </p:txBody>
       </p:sp>
     </p:spTree>
     <p:extLst>
       <p:ext uri="{BB962C8B-B14F-4D97-AF65-F5344CB8AC3E}">
-        <p14:creationId xmlns:p14="http://schemas.microsoft.com/office/powerpoint/2010/main" val="2450695368"/>
+        <p14:creationId xmlns:p14="http://schemas.microsoft.com/office/powerpoint/2010/main" val="1453172779"/>
       </p:ext>
     </p:extLst>
   </p:cSld>
@@ -18549,182 +17843,6 @@
       </p:grpSpPr>
       <p:sp>
         <p:nvSpPr>
-          <p:cNvPr id="12" name="Espace réservé du contenu 11">
-            <a:extLst>
-              <a:ext uri="{FF2B5EF4-FFF2-40B4-BE49-F238E27FC236}">
-                <a16:creationId xmlns:a16="http://schemas.microsoft.com/office/drawing/2014/main" id="{9474AB9B-4F1B-1CB9-03B6-C6193834DB45}"/>
-              </a:ext>
-            </a:extLst>
-          </p:cNvPr>
-          <p:cNvSpPr>
-            <a:spLocks noGrp="1"/>
-          </p:cNvSpPr>
-          <p:nvPr>
-            <p:ph sz="half" idx="2"/>
-          </p:nvPr>
-        </p:nvSpPr>
-        <p:spPr>
-          <a:xfrm>
-            <a:off x="3216925" y="341524"/>
-            <a:ext cx="8703326" cy="6180462"/>
-          </a:xfrm>
-        </p:spPr>
-        <p:txBody>
-          <a:bodyPr>
-            <a:normAutofit/>
-          </a:bodyPr>
-          <a:lstStyle/>
-          <a:p>
-            <a:pPr marL="342900" indent="-342900">
-              <a:buFont typeface="Wingdings" panose="05000000000000000000" pitchFamily="2" charset="2"/>
-              <a:buChar char="Ø"/>
-            </a:pPr>
-            <a:r>
-              <a:rPr lang="en-US" sz="2400" b="1" dirty="0"/>
-              <a:t>Challenges Already Identified:</a:t>
-            </a:r>
-            <a:endParaRPr lang="en-US" sz="2400" dirty="0"/>
-          </a:p>
-          <a:p>
-            <a:pPr lvl="1">
-              <a:buFont typeface="Arial" panose="020B0604020202020204" pitchFamily="34" charset="0"/>
-              <a:buChar char="•"/>
-            </a:pPr>
-            <a:r>
-              <a:rPr lang="en-US" sz="2400" b="1" dirty="0"/>
-              <a:t>Scalability:</a:t>
-            </a:r>
-            <a:r>
-              <a:rPr lang="en-US" sz="2400" dirty="0"/>
-              <a:t> Ensuring the system can handle a growing number of users and rental transactions.</a:t>
-            </a:r>
-          </a:p>
-          <a:p>
-            <a:pPr lvl="1">
-              <a:buFont typeface="Arial" panose="020B0604020202020204" pitchFamily="34" charset="0"/>
-              <a:buChar char="•"/>
-            </a:pPr>
-            <a:r>
-              <a:rPr lang="en-US" sz="2400" b="1" dirty="0"/>
-              <a:t>Real-Time Tracking:</a:t>
-            </a:r>
-            <a:r>
-              <a:rPr lang="en-US" sz="2400" dirty="0"/>
-              <a:t> Implementing accurate GPS tracking and real-time updates.</a:t>
-            </a:r>
-          </a:p>
-          <a:p>
-            <a:pPr lvl="1">
-              <a:buFont typeface="Arial" panose="020B0604020202020204" pitchFamily="34" charset="0"/>
-              <a:buChar char="•"/>
-            </a:pPr>
-            <a:r>
-              <a:rPr lang="en-US" sz="2400" b="1" dirty="0"/>
-              <a:t>Payment Security:</a:t>
-            </a:r>
-            <a:r>
-              <a:rPr lang="en-US" sz="2400" dirty="0"/>
-              <a:t> Securing transactions and handling sensitive payment information.</a:t>
-            </a:r>
-          </a:p>
-          <a:p>
-            <a:pPr lvl="1">
-              <a:buFont typeface="Arial" panose="020B0604020202020204" pitchFamily="34" charset="0"/>
-              <a:buChar char="•"/>
-            </a:pPr>
-            <a:r>
-              <a:rPr lang="en-US" sz="2400" b="1" dirty="0"/>
-              <a:t>User Experience:</a:t>
-            </a:r>
-            <a:r>
-              <a:rPr lang="en-US" sz="2400" dirty="0"/>
-              <a:t> Designing an intuitive interface for seamless navigation and booking.</a:t>
-            </a:r>
-          </a:p>
-          <a:p>
-            <a:pPr marL="342900" indent="-342900">
-              <a:buFont typeface="Wingdings" panose="05000000000000000000" pitchFamily="2" charset="2"/>
-              <a:buChar char="Ø"/>
-            </a:pPr>
-            <a:r>
-              <a:rPr lang="en-US" sz="2400" b="1" dirty="0"/>
-              <a:t>Mock-ups (if applicable):</a:t>
-            </a:r>
-            <a:endParaRPr lang="en-US" sz="2400" dirty="0"/>
-          </a:p>
-          <a:p>
-            <a:pPr lvl="1">
-              <a:buFont typeface="Arial" panose="020B0604020202020204" pitchFamily="34" charset="0"/>
-              <a:buChar char="•"/>
-            </a:pPr>
-            <a:r>
-              <a:rPr lang="en-US" sz="2400" b="1" dirty="0"/>
-              <a:t>User Interface Mock-ups:</a:t>
-            </a:r>
-            <a:r>
-              <a:rPr lang="en-US" sz="2400" dirty="0"/>
-              <a:t> Provide visual designs for the user dashboard, booking screens, and rental options.</a:t>
-            </a:r>
-          </a:p>
-          <a:p>
-            <a:pPr lvl="1">
-              <a:buFont typeface="Arial" panose="020B0604020202020204" pitchFamily="34" charset="0"/>
-              <a:buChar char="•"/>
-            </a:pPr>
-            <a:r>
-              <a:rPr lang="en-US" sz="2400" b="1" dirty="0"/>
-              <a:t>System Flow Diagrams:</a:t>
-            </a:r>
-            <a:r>
-              <a:rPr lang="en-US" sz="2400" dirty="0"/>
-              <a:t> Illustrate the flow of data and interactions between the front-end, </a:t>
-            </a:r>
-            <a:r>
-              <a:rPr lang="en-US" sz="2400" dirty="0" err="1"/>
-              <a:t>back-end</a:t>
-            </a:r>
-            <a:r>
-              <a:rPr lang="en-US" sz="2400" dirty="0"/>
-              <a:t>, and external services.</a:t>
-            </a:r>
-          </a:p>
-          <a:p>
-            <a:endParaRPr lang="fr-FR" dirty="0"/>
-          </a:p>
-        </p:txBody>
-      </p:sp>
-    </p:spTree>
-    <p:extLst>
-      <p:ext uri="{BB962C8B-B14F-4D97-AF65-F5344CB8AC3E}">
-        <p14:creationId xmlns:p14="http://schemas.microsoft.com/office/powerpoint/2010/main" val="1453172779"/>
-      </p:ext>
-    </p:extLst>
-  </p:cSld>
-  <p:clrMapOvr>
-    <a:masterClrMapping/>
-  </p:clrMapOvr>
-</p:sld>
-</file>
-
-<file path=ppt/slides/slide14.xml><?xml version="1.0" encoding="utf-8"?>
-<p:sld xmlns:a="http://schemas.openxmlformats.org/drawingml/2006/main" xmlns:r="http://schemas.openxmlformats.org/officeDocument/2006/relationships" xmlns:p="http://schemas.openxmlformats.org/presentationml/2006/main">
-  <p:cSld>
-    <p:spTree>
-      <p:nvGrpSpPr>
-        <p:cNvPr id="1" name=""/>
-        <p:cNvGrpSpPr/>
-        <p:nvPr/>
-      </p:nvGrpSpPr>
-      <p:grpSpPr>
-        <a:xfrm>
-          <a:off x="0" y="0"/>
-          <a:ext cx="0" cy="0"/>
-          <a:chOff x="0" y="0"/>
-          <a:chExt cx="0" cy="0"/>
-        </a:xfrm>
-      </p:grpSpPr>
-      <p:sp>
-        <p:nvSpPr>
           <p:cNvPr id="2" name="Titre 1">
             <a:extLst>
               <a:ext uri="{FF2B5EF4-FFF2-40B4-BE49-F238E27FC236}">
@@ -18808,7 +17926,7 @@
 </p:sld>
 </file>
 
-<file path=ppt/slides/slide15.xml><?xml version="1.0" encoding="utf-8"?>
+<file path=ppt/slides/slide14.xml><?xml version="1.0" encoding="utf-8"?>
 <p:sld xmlns:a="http://schemas.openxmlformats.org/drawingml/2006/main" xmlns:r="http://schemas.openxmlformats.org/officeDocument/2006/relationships" xmlns:p="http://schemas.openxmlformats.org/presentationml/2006/main">
   <p:cSld>
     <p:spTree>
@@ -19713,12 +18831,12 @@
             </a:endParaRPr>
           </a:p>
           <a:p>
-            <a:pPr marL="609585" indent="-457189">
+            <a:pPr marL="609596" indent="-457200">
               <a:buClr>
                 <a:schemeClr val="dk2"/>
               </a:buClr>
               <a:buSzPts val="1800"/>
-              <a:buFont typeface="Fjalla One"/>
+              <a:buFont typeface="+mj-lt"/>
               <a:buAutoNum type="arabicPeriod"/>
             </a:pPr>
             <a:r>
@@ -20093,7 +19211,7 @@
   <p:cSld>
     <p:spTree>
       <p:nvGrpSpPr>
-        <p:cNvPr id="1" name="Shape 111"/>
+        <p:cNvPr id="1" name=""/>
         <p:cNvGrpSpPr/>
         <p:nvPr/>
       </p:nvGrpSpPr>
@@ -20107,31 +19225,32 @@
       </p:grpSpPr>
       <p:sp>
         <p:nvSpPr>
-          <p:cNvPr id="112" name="Google Shape;112;p20"/>
-          <p:cNvSpPr txBox="1"/>
-          <p:nvPr/>
-        </p:nvSpPr>
-        <p:spPr>
-          <a:xfrm>
-            <a:off x="3278300" y="867233"/>
-            <a:ext cx="8518800" cy="5274400"/>
-          </a:xfrm>
-          <a:prstGeom prst="rect">
-            <a:avLst/>
-          </a:prstGeom>
-          <a:noFill/>
-          <a:ln>
-            <a:noFill/>
-          </a:ln>
-        </p:spPr>
-        <p:txBody>
-          <a:bodyPr spcFirstLastPara="1" wrap="square" lIns="121900" tIns="121900" rIns="121900" bIns="121900" anchor="t" anchorCtr="0">
-            <a:noAutofit/>
-          </a:bodyPr>
+          <p:cNvPr id="3" name="Espace réservé du texte 2">
+            <a:extLst>
+              <a:ext uri="{FF2B5EF4-FFF2-40B4-BE49-F238E27FC236}">
+                <a16:creationId xmlns:a16="http://schemas.microsoft.com/office/drawing/2014/main" id="{0E603BD7-5AD9-0F97-B327-3A4EA075C252}"/>
+              </a:ext>
+            </a:extLst>
+          </p:cNvPr>
+          <p:cNvSpPr>
+            <a:spLocks noGrp="1"/>
+          </p:cNvSpPr>
+          <p:nvPr>
+            <p:ph type="body" sz="quarter" idx="16"/>
+          </p:nvPr>
+        </p:nvSpPr>
+        <p:spPr>
+          <a:xfrm>
+            <a:off x="748749" y="1361938"/>
+            <a:ext cx="10763878" cy="5160048"/>
+          </a:xfrm>
+        </p:spPr>
+        <p:txBody>
+          <a:bodyPr/>
           <a:lstStyle/>
           <a:p>
             <a:r>
-              <a:rPr lang="fr" sz="2400" dirty="0">
+              <a:rPr lang="en-US" b="1" dirty="0">
                 <a:solidFill>
                   <a:schemeClr val="dk2"/>
                 </a:solidFill>
@@ -20140,41 +19259,58 @@
                 <a:cs typeface="Fjalla One"/>
                 <a:sym typeface="Fjalla One"/>
               </a:rPr>
-              <a:t>2. 	Back-end (Server-Side):</a:t>
-            </a:r>
-            <a:endParaRPr sz="2400" dirty="0">
+              <a:t>2</a:t>
+            </a:r>
+            <a:r>
+              <a:rPr lang="en-US" sz="2800" b="1">
+                <a:solidFill>
+                  <a:schemeClr val="dk2"/>
+                </a:solidFill>
+                <a:latin typeface="+mj-lt"/>
+                <a:ea typeface="Fjalla One"/>
+                <a:cs typeface="Fjalla One"/>
+                <a:sym typeface="Fjalla One"/>
+              </a:rPr>
+              <a:t>. </a:t>
+            </a:r>
+            <a:r>
+              <a:rPr lang="en-US" sz="2800" b="1" dirty="0">
+                <a:solidFill>
+                  <a:schemeClr val="dk2"/>
+                </a:solidFill>
+                <a:latin typeface="+mj-lt"/>
+                <a:ea typeface="Fjalla One"/>
+                <a:cs typeface="Fjalla One"/>
+                <a:sym typeface="Fjalla One"/>
+              </a:rPr>
+              <a:t>Back-end (Server-Side):</a:t>
+            </a:r>
+          </a:p>
+          <a:p>
+            <a:endParaRPr lang="en-US" sz="2800" dirty="0">
               <a:solidFill>
                 <a:schemeClr val="dk2"/>
               </a:solidFill>
-              <a:latin typeface="Fjalla One"/>
+              <a:latin typeface="+mj-lt"/>
               <a:ea typeface="Fjalla One"/>
               <a:cs typeface="Fjalla One"/>
               <a:sym typeface="Fjalla One"/>
             </a:endParaRPr>
           </a:p>
           <a:p>
-            <a:endParaRPr sz="2400" dirty="0">
+            <a:r>
+              <a:rPr lang="en-US" sz="2800" dirty="0">
+                <a:latin typeface="+mj-lt"/>
+              </a:rPr>
+              <a:t>This component of the application manages data processing, business logic, and interactions between the frontend and the database.</a:t>
+            </a:r>
+          </a:p>
+          <a:p>
+            <a:endParaRPr lang="en-US" sz="2800" dirty="0">
               <a:solidFill>
                 <a:schemeClr val="dk2"/>
               </a:solidFill>
-              <a:latin typeface="Fjalla One"/>
-              <a:ea typeface="Fjalla One"/>
-              <a:cs typeface="Fjalla One"/>
-              <a:sym typeface="Fjalla One"/>
-            </a:endParaRPr>
-          </a:p>
-          <a:p>
-            <a:r>
-              <a:rPr lang="en-US" sz="2400" dirty="0"/>
-              <a:t>This component of the application manages data processing, business logic, and interactions between the frontend and the database.</a:t>
-            </a:r>
-          </a:p>
-          <a:p>
-            <a:endParaRPr sz="2400" dirty="0">
-              <a:solidFill>
-                <a:schemeClr val="dk2"/>
-              </a:solidFill>
-              <a:latin typeface="Lato"/>
+              <a:latin typeface="+mj-lt"/>
               <a:ea typeface="Lato"/>
               <a:cs typeface="Lato"/>
               <a:sym typeface="Lato"/>
@@ -20190,11 +19326,11 @@
               <a:buChar char="❖"/>
             </a:pPr>
             <a:r>
-              <a:rPr lang="fr" sz="2400" i="1" dirty="0">
+              <a:rPr lang="en-US" sz="2800" i="1" dirty="0">
                 <a:solidFill>
                   <a:schemeClr val="dk2"/>
                 </a:solidFill>
-                <a:latin typeface="Raleway Medium"/>
+                <a:latin typeface="+mj-lt"/>
                 <a:ea typeface="Raleway Medium"/>
                 <a:cs typeface="Raleway Medium"/>
                 <a:sym typeface="Raleway Medium"/>
@@ -20202,11 +19338,11 @@
               <a:t>Framework: </a:t>
             </a:r>
             <a:r>
-              <a:rPr lang="fr" sz="2400" i="1" dirty="0">
+              <a:rPr lang="en-US" sz="2800" i="1" dirty="0">
                 <a:solidFill>
                   <a:schemeClr val="dk2"/>
                 </a:solidFill>
-                <a:latin typeface="Lato"/>
+                <a:latin typeface="+mj-lt"/>
                 <a:ea typeface="Lato"/>
                 <a:cs typeface="Lato"/>
                 <a:sym typeface="Lato"/>
@@ -20214,36 +19350,38 @@
               <a:t>Python </a:t>
             </a:r>
             <a:r>
-              <a:rPr lang="fr" sz="2400" dirty="0">
+              <a:rPr lang="en-US" sz="2800" dirty="0">
                 <a:solidFill>
                   <a:schemeClr val="dk2"/>
                 </a:solidFill>
-                <a:latin typeface="Lato"/>
+                <a:latin typeface="+mj-lt"/>
                 <a:ea typeface="Lato"/>
                 <a:cs typeface="Lato"/>
                 <a:sym typeface="Lato"/>
               </a:rPr>
               <a:t>with Flask</a:t>
             </a:r>
-            <a:endParaRPr sz="2400" dirty="0">
+          </a:p>
+          <a:p>
+            <a:endParaRPr lang="en-US" sz="2800" dirty="0">
               <a:solidFill>
                 <a:schemeClr val="dk2"/>
               </a:solidFill>
-              <a:latin typeface="Lato"/>
+              <a:latin typeface="+mj-lt"/>
               <a:ea typeface="Lato"/>
               <a:cs typeface="Lato"/>
               <a:sym typeface="Lato"/>
             </a:endParaRPr>
           </a:p>
           <a:p>
-            <a:endParaRPr sz="2400" dirty="0">
+            <a:endParaRPr lang="en-US" sz="2800" i="1" dirty="0">
               <a:solidFill>
                 <a:schemeClr val="dk2"/>
               </a:solidFill>
-              <a:latin typeface="Lato"/>
-              <a:ea typeface="Lato"/>
-              <a:cs typeface="Lato"/>
-              <a:sym typeface="Lato"/>
+              <a:latin typeface="+mj-lt"/>
+              <a:ea typeface="Raleway Medium"/>
+              <a:cs typeface="Raleway Medium"/>
+              <a:sym typeface="Raleway Medium"/>
             </a:endParaRPr>
           </a:p>
           <a:p>
@@ -20256,65 +19394,11 @@
               <a:buChar char="❖"/>
             </a:pPr>
             <a:r>
-              <a:rPr lang="fr" sz="2400" i="1" dirty="0">
+              <a:rPr lang="en-US" sz="2800" i="1" dirty="0">
                 <a:solidFill>
                   <a:schemeClr val="dk2"/>
                 </a:solidFill>
-                <a:latin typeface="Raleway Medium"/>
-                <a:ea typeface="Raleway Medium"/>
-                <a:cs typeface="Raleway Medium"/>
-                <a:sym typeface="Raleway Medium"/>
-              </a:rPr>
-              <a:t>API Layer: </a:t>
-            </a:r>
-            <a:r>
-              <a:rPr lang="fr" sz="2400" dirty="0">
-                <a:solidFill>
-                  <a:schemeClr val="dk2"/>
-                </a:solidFill>
-                <a:latin typeface="Lato"/>
-                <a:ea typeface="Lato"/>
-                <a:cs typeface="Lato"/>
-                <a:sym typeface="Lato"/>
-              </a:rPr>
-              <a:t> RESTFul APIs or GraphQL, Cors, Crypto for handling requests from the frontend.</a:t>
-            </a:r>
-            <a:endParaRPr sz="2400" dirty="0">
-              <a:solidFill>
-                <a:schemeClr val="dk2"/>
-              </a:solidFill>
-              <a:latin typeface="Lato"/>
-              <a:ea typeface="Lato"/>
-              <a:cs typeface="Lato"/>
-              <a:sym typeface="Lato"/>
-            </a:endParaRPr>
-          </a:p>
-          <a:p>
-            <a:endParaRPr sz="2400" i="1" dirty="0">
-              <a:solidFill>
-                <a:schemeClr val="dk2"/>
-              </a:solidFill>
-              <a:latin typeface="Raleway Medium"/>
-              <a:ea typeface="Raleway Medium"/>
-              <a:cs typeface="Raleway Medium"/>
-              <a:sym typeface="Raleway Medium"/>
-            </a:endParaRPr>
-          </a:p>
-          <a:p>
-            <a:pPr marL="609585" indent="-457189">
-              <a:buClr>
-                <a:schemeClr val="dk2"/>
-              </a:buClr>
-              <a:buSzPts val="1800"/>
-              <a:buFont typeface="Raleway Medium"/>
-              <a:buChar char="❖"/>
-            </a:pPr>
-            <a:r>
-              <a:rPr lang="fr" sz="2400" i="1" dirty="0">
-                <a:solidFill>
-                  <a:schemeClr val="dk2"/>
-                </a:solidFill>
-                <a:latin typeface="Raleway Medium"/>
+                <a:latin typeface="+mj-lt"/>
                 <a:ea typeface="Raleway Medium"/>
                 <a:cs typeface="Raleway Medium"/>
                 <a:sym typeface="Raleway Medium"/>
@@ -20322,41 +19406,38 @@
               <a:t>Authentication: </a:t>
             </a:r>
             <a:r>
-              <a:rPr lang="fr" sz="2400" dirty="0">
+              <a:rPr lang="en-US" sz="2800" i="1" dirty="0">
                 <a:solidFill>
                   <a:schemeClr val="dk2"/>
                 </a:solidFill>
-                <a:latin typeface="Lato"/>
+                <a:latin typeface="+mj-lt"/>
                 <a:ea typeface="Lato"/>
                 <a:cs typeface="Lato"/>
                 <a:sym typeface="Lato"/>
               </a:rPr>
-              <a:t>JWT (JSON Web Tokens) or OAuth2 for user authentication and authorization.</a:t>
-            </a:r>
-            <a:endParaRPr sz="2400" dirty="0">
+              <a:t>Flask_Login(API)</a:t>
+            </a:r>
+            <a:endParaRPr lang="en-US" sz="2800" dirty="0">
               <a:solidFill>
                 <a:schemeClr val="dk2"/>
               </a:solidFill>
-              <a:latin typeface="Lato"/>
+              <a:latin typeface="+mj-lt"/>
               <a:ea typeface="Lato"/>
               <a:cs typeface="Lato"/>
               <a:sym typeface="Lato"/>
             </a:endParaRPr>
           </a:p>
           <a:p>
-            <a:endParaRPr sz="2400" dirty="0">
-              <a:solidFill>
-                <a:schemeClr val="dk2"/>
-              </a:solidFill>
-              <a:latin typeface="Fjalla One"/>
-              <a:ea typeface="Fjalla One"/>
-              <a:cs typeface="Fjalla One"/>
-              <a:sym typeface="Fjalla One"/>
-            </a:endParaRPr>
+            <a:endParaRPr lang="fr-FR" dirty="0"/>
           </a:p>
         </p:txBody>
       </p:sp>
     </p:spTree>
+    <p:extLst>
+      <p:ext uri="{BB962C8B-B14F-4D97-AF65-F5344CB8AC3E}">
+        <p14:creationId xmlns:p14="http://schemas.microsoft.com/office/powerpoint/2010/main" val="2313171168"/>
+      </p:ext>
+    </p:extLst>
   </p:cSld>
   <p:clrMapOvr>
     <a:masterClrMapping/>
@@ -20467,7 +19548,7 @@
   <p:cSld>
     <p:spTree>
       <p:nvGrpSpPr>
-        <p:cNvPr id="1" name="Shape 121"/>
+        <p:cNvPr id="1" name=""/>
         <p:cNvGrpSpPr/>
         <p:nvPr/>
       </p:nvGrpSpPr>
@@ -20481,259 +19562,93 @@
       </p:grpSpPr>
       <p:sp>
         <p:nvSpPr>
-          <p:cNvPr id="122" name="Google Shape;122;p22"/>
-          <p:cNvSpPr txBox="1"/>
-          <p:nvPr/>
-        </p:nvSpPr>
-        <p:spPr>
-          <a:xfrm>
-            <a:off x="3339800" y="1021000"/>
-            <a:ext cx="8364800" cy="4966800"/>
-          </a:xfrm>
-          <a:prstGeom prst="rect">
-            <a:avLst/>
-          </a:prstGeom>
-          <a:noFill/>
-          <a:ln>
-            <a:noFill/>
-          </a:ln>
-        </p:spPr>
-        <p:txBody>
-          <a:bodyPr spcFirstLastPara="1" wrap="square" lIns="121900" tIns="121900" rIns="121900" bIns="121900" anchor="t" anchorCtr="0">
-            <a:noAutofit/>
-          </a:bodyPr>
+          <p:cNvPr id="3" name="Espace réservé du texte 2">
+            <a:extLst>
+              <a:ext uri="{FF2B5EF4-FFF2-40B4-BE49-F238E27FC236}">
+                <a16:creationId xmlns:a16="http://schemas.microsoft.com/office/drawing/2014/main" id="{C15E3104-A4CC-BFFB-45E1-BEEB9A4E50E6}"/>
+              </a:ext>
+            </a:extLst>
+          </p:cNvPr>
+          <p:cNvSpPr>
+            <a:spLocks noGrp="1"/>
+          </p:cNvSpPr>
+          <p:nvPr>
+            <p:ph type="body" sz="quarter" idx="16"/>
+          </p:nvPr>
+        </p:nvSpPr>
+        <p:spPr>
+          <a:xfrm>
+            <a:off x="748749" y="1361937"/>
+            <a:ext cx="10697776" cy="5038863"/>
+          </a:xfrm>
+        </p:spPr>
+        <p:txBody>
+          <a:bodyPr/>
           <a:lstStyle/>
           <a:p>
             <a:r>
-              <a:rPr lang="fr" sz="2400" dirty="0">
+              <a:rPr lang="en-US" sz="3600" b="1" dirty="0">
                 <a:solidFill>
                   <a:schemeClr val="dk2"/>
                 </a:solidFill>
-                <a:latin typeface="Fjalla One"/>
+                <a:latin typeface="+mj-lt"/>
                 <a:ea typeface="Fjalla One"/>
                 <a:cs typeface="Fjalla One"/>
                 <a:sym typeface="Fjalla One"/>
               </a:rPr>
-              <a:t>3. Third-Party Integrations:</a:t>
-            </a:r>
-            <a:endParaRPr sz="2400" dirty="0">
+              <a:t>3. DevOps and Deployment:</a:t>
+            </a:r>
+          </a:p>
+          <a:p>
+            <a:endParaRPr lang="en-US" sz="3600" dirty="0">
               <a:solidFill>
                 <a:schemeClr val="dk2"/>
               </a:solidFill>
-              <a:latin typeface="Fjalla One"/>
+              <a:latin typeface="+mj-lt"/>
               <a:ea typeface="Fjalla One"/>
               <a:cs typeface="Fjalla One"/>
               <a:sym typeface="Fjalla One"/>
             </a:endParaRPr>
           </a:p>
           <a:p>
-            <a:endParaRPr sz="2400" dirty="0">
-              <a:solidFill>
-                <a:schemeClr val="dk2"/>
-              </a:solidFill>
-              <a:latin typeface="Lato"/>
-              <a:ea typeface="Lato"/>
-              <a:cs typeface="Lato"/>
-              <a:sym typeface="Lato"/>
-            </a:endParaRPr>
-          </a:p>
-          <a:p>
-            <a:r>
-              <a:rPr lang="fr" sz="2400" dirty="0">
+            <a:r>
+              <a:rPr lang="en-US" sz="3600" dirty="0">
                 <a:solidFill>
                   <a:schemeClr val="dk2"/>
                 </a:solidFill>
-                <a:latin typeface="Lato"/>
+                <a:latin typeface="+mj-lt"/>
                 <a:ea typeface="Lato"/>
                 <a:cs typeface="Lato"/>
                 <a:sym typeface="Lato"/>
               </a:rPr>
-              <a:t>To enhance functionality, the web app can integrate with various third-party services.</a:t>
-            </a:r>
-            <a:endParaRPr sz="2400" dirty="0">
-              <a:solidFill>
-                <a:schemeClr val="dk2"/>
-              </a:solidFill>
-              <a:latin typeface="Lato"/>
-              <a:ea typeface="Lato"/>
-              <a:cs typeface="Lato"/>
-              <a:sym typeface="Lato"/>
-            </a:endParaRPr>
-          </a:p>
-          <a:p>
-            <a:endParaRPr sz="2400" dirty="0">
-              <a:solidFill>
-                <a:schemeClr val="dk2"/>
-              </a:solidFill>
-              <a:latin typeface="Lato"/>
-              <a:ea typeface="Lato"/>
-              <a:cs typeface="Lato"/>
-              <a:sym typeface="Lato"/>
-            </a:endParaRPr>
-          </a:p>
-          <a:p>
-            <a:pPr marL="609585" indent="-457189">
-              <a:buClr>
-                <a:schemeClr val="dk2"/>
-              </a:buClr>
-              <a:buSzPts val="1800"/>
-              <a:buFont typeface="Raleway"/>
-              <a:buChar char="➢"/>
-            </a:pPr>
-            <a:r>
-              <a:rPr lang="fr" sz="2400" b="1" dirty="0">
+              <a:t>-Ensuring the application is reliably deployed and maintained.</a:t>
+            </a:r>
+          </a:p>
+          <a:p>
+            <a:r>
+              <a:rPr lang="en-US" sz="3600" dirty="0">
                 <a:solidFill>
                   <a:schemeClr val="dk2"/>
                 </a:solidFill>
-                <a:latin typeface="Raleway"/>
-                <a:ea typeface="Raleway"/>
-                <a:cs typeface="Raleway"/>
-                <a:sym typeface="Raleway"/>
-              </a:rPr>
-              <a:t>APIs:</a:t>
-            </a:r>
-            <a:endParaRPr sz="2400" b="1" dirty="0">
-              <a:solidFill>
-                <a:schemeClr val="dk2"/>
-              </a:solidFill>
-              <a:latin typeface="Raleway"/>
-              <a:ea typeface="Raleway"/>
-              <a:cs typeface="Raleway"/>
-              <a:sym typeface="Raleway"/>
-            </a:endParaRPr>
-          </a:p>
-          <a:p>
-            <a:pPr marL="609585"/>
-            <a:endParaRPr sz="2400" dirty="0">
-              <a:solidFill>
-                <a:schemeClr val="dk2"/>
-              </a:solidFill>
-              <a:latin typeface="Lato"/>
-              <a:ea typeface="Lato"/>
-              <a:cs typeface="Lato"/>
-              <a:sym typeface="Lato"/>
-            </a:endParaRPr>
-          </a:p>
-          <a:p>
-            <a:pPr marL="609585" indent="-457189">
-              <a:buClr>
-                <a:schemeClr val="dk2"/>
-              </a:buClr>
-              <a:buSzPts val="1800"/>
-              <a:buFont typeface="Raleway Medium"/>
-              <a:buChar char="-"/>
-            </a:pPr>
-            <a:r>
-              <a:rPr lang="fr" sz="2400" i="1" dirty="0">
-                <a:solidFill>
-                  <a:schemeClr val="dk2"/>
-                </a:solidFill>
-                <a:latin typeface="Raleway Medium"/>
-                <a:ea typeface="Raleway Medium"/>
-                <a:cs typeface="Raleway Medium"/>
-                <a:sym typeface="Raleway Medium"/>
-              </a:rPr>
-              <a:t>Fitness Trackers: </a:t>
-            </a:r>
-            <a:r>
-              <a:rPr lang="fr" sz="2400" dirty="0">
-                <a:solidFill>
-                  <a:schemeClr val="dk2"/>
-                </a:solidFill>
-                <a:latin typeface="Lato"/>
+                <a:latin typeface="+mj-lt"/>
                 <a:ea typeface="Lato"/>
                 <a:cs typeface="Lato"/>
                 <a:sym typeface="Lato"/>
               </a:rPr>
-              <a:t>(Fitness API, Google APIs, People APIs).</a:t>
-            </a:r>
-            <a:endParaRPr sz="2400" dirty="0">
-              <a:solidFill>
-                <a:schemeClr val="dk2"/>
-              </a:solidFill>
-              <a:latin typeface="Lato"/>
-              <a:ea typeface="Lato"/>
-              <a:cs typeface="Lato"/>
-              <a:sym typeface="Lato"/>
-            </a:endParaRPr>
-          </a:p>
-          <a:p>
-            <a:pPr marL="609585" indent="-457189">
-              <a:buClr>
-                <a:schemeClr val="dk2"/>
-              </a:buClr>
-              <a:buSzPts val="1800"/>
-              <a:buFont typeface="Raleway Medium"/>
-              <a:buChar char="-"/>
-            </a:pPr>
-            <a:r>
-              <a:rPr lang="fr" sz="2400" i="1" dirty="0">
-                <a:solidFill>
-                  <a:schemeClr val="dk2"/>
-                </a:solidFill>
-                <a:latin typeface="Raleway Medium"/>
-                <a:ea typeface="Raleway Medium"/>
-                <a:cs typeface="Raleway Medium"/>
-                <a:sym typeface="Raleway Medium"/>
-              </a:rPr>
-              <a:t>Sleep Trackers.</a:t>
-            </a:r>
-            <a:endParaRPr sz="2400" i="1" dirty="0">
-              <a:solidFill>
-                <a:schemeClr val="dk2"/>
-              </a:solidFill>
-              <a:latin typeface="Raleway Medium"/>
-              <a:ea typeface="Raleway Medium"/>
-              <a:cs typeface="Raleway Medium"/>
-              <a:sym typeface="Raleway Medium"/>
-            </a:endParaRPr>
-          </a:p>
-          <a:p>
-            <a:pPr marL="609585" indent="-457189">
-              <a:buClr>
-                <a:schemeClr val="dk2"/>
-              </a:buClr>
-              <a:buSzPts val="1800"/>
-              <a:buFont typeface="Raleway Medium"/>
-              <a:buChar char="-"/>
-            </a:pPr>
-            <a:r>
-              <a:rPr lang="fr" sz="2400" i="1" dirty="0">
-                <a:solidFill>
-                  <a:schemeClr val="dk2"/>
-                </a:solidFill>
-                <a:latin typeface="Raleway Medium"/>
-                <a:ea typeface="Raleway Medium"/>
-                <a:cs typeface="Raleway Medium"/>
-                <a:sym typeface="Raleway Medium"/>
-              </a:rPr>
-              <a:t>Payment Gateways: </a:t>
-            </a:r>
-            <a:r>
-              <a:rPr lang="fr" sz="2400" dirty="0">
-                <a:solidFill>
-                  <a:schemeClr val="dk2"/>
-                </a:solidFill>
-                <a:latin typeface="Lato"/>
-                <a:ea typeface="Lato"/>
-                <a:cs typeface="Lato"/>
-                <a:sym typeface="Lato"/>
-              </a:rPr>
-              <a:t>For subscription services or premium features (e.g. Google pay).</a:t>
-            </a:r>
-            <a:endParaRPr sz="2400" dirty="0">
-              <a:solidFill>
-                <a:schemeClr val="dk2"/>
-              </a:solidFill>
-              <a:latin typeface="Lato"/>
-              <a:ea typeface="Lato"/>
-              <a:cs typeface="Lato"/>
-              <a:sym typeface="Lato"/>
-            </a:endParaRPr>
+              <a:t>-Github Actions for continuous integration and deployment.</a:t>
+            </a:r>
+          </a:p>
+          <a:p>
+            <a:endParaRPr lang="fr-FR" dirty="0"/>
           </a:p>
         </p:txBody>
       </p:sp>
     </p:spTree>
+    <p:extLst>
+      <p:ext uri="{BB962C8B-B14F-4D97-AF65-F5344CB8AC3E}">
+        <p14:creationId xmlns:p14="http://schemas.microsoft.com/office/powerpoint/2010/main" val="1652655708"/>
+      </p:ext>
+    </p:extLst>
   </p:cSld>
   <p:clrMapOvr>
     <a:masterClrMapping/>

--- a/doc/Location TVM.pptx
+++ b/doc/Location TVM.pptx
@@ -253,7 +253,7 @@
             <a:pPr rtl="0"/>
             <a:fld id="{996F3730-8562-4D7F-A2D1-B258C4FC42CB}" type="datetime1">
               <a:rPr lang="fr-FR" smtClean="0"/>
-              <a:t>05/09/2024</a:t>
+              <a:t>16/09/2024</a:t>
             </a:fld>
             <a:endParaRPr lang="fr-FR"/>
           </a:p>
@@ -435,7 +435,7 @@
             <a:fld id="{0F28B237-C4D2-43EE-AC18-AA163EB3D7BC}" type="datetime1">
               <a:rPr lang="fr-FR" smtClean="0"/>
               <a:pPr/>
-              <a:t>05/09/2024</a:t>
+              <a:t>16/09/2024</a:t>
             </a:fld>
             <a:endParaRPr lang="fr-FR" dirty="0"/>
           </a:p>
@@ -18369,7 +18369,7 @@
             <a:pPr algn="ctr" rtl="0"/>
             <a:r>
               <a:rPr lang="en-US" sz="2800" noProof="1"/>
-              <a:t>The latest software engineering project in our group 19 called "LOCATION TVM" is a website that allows users to save money and time, and we are carefully served to ensure the convenience we offer for the perfect transfer solution tailored to your needs.</a:t>
+              <a:t>The latest software engineering project in our cohort 19 called "LOCATION TVM" is a website that allows users to save money and time, and we are carefully served to ensure the convenience we offer for the perfect transfer solution tailored to your needs.</a:t>
             </a:r>
             <a:endParaRPr lang="fr-FR" sz="2800" noProof="1"/>
           </a:p>
@@ -20448,15 +20448,6 @@
 </file>
 
 <file path=customXml/item1.xml><?xml version="1.0" encoding="utf-8"?>
-<?mso-contentType ?>
-<FormTemplates xmlns="http://schemas.microsoft.com/sharepoint/v3/contenttype/forms">
-  <Display>DocumentLibraryForm</Display>
-  <Edit>DocumentLibraryForm</Edit>
-  <New>DocumentLibraryForm</New>
-</FormTemplates>
-</file>
-
-<file path=customXml/item2.xml><?xml version="1.0" encoding="utf-8"?>
 <ct:contentTypeSchema xmlns:ct="http://schemas.microsoft.com/office/2006/metadata/contentType" xmlns:ma="http://schemas.microsoft.com/office/2006/metadata/properties/metaAttributes" ct:_="" ma:_="" ma:contentTypeName="Document" ma:contentTypeID="0x01010079F111ED35F8CC479449609E8A0923A6" ma:contentTypeVersion="20" ma:contentTypeDescription="Create a new document." ma:contentTypeScope="" ma:versionID="1267097ee5f5874adfcc408041ae252e">
   <xsd:schema xmlns:xsd="http://www.w3.org/2001/XMLSchema" xmlns:xs="http://www.w3.org/2001/XMLSchema" xmlns:p="http://schemas.microsoft.com/office/2006/metadata/properties" xmlns:ns1="http://schemas.microsoft.com/sharepoint/v3" xmlns:ns2="71af3243-3dd4-4a8d-8c0d-dd76da1f02a5" xmlns:ns3="16c05727-aa75-4e4a-9b5f-8a80a1165891" xmlns:ns4="230e9df3-be65-4c73-a93b-d1236ebd677e" targetNamespace="http://schemas.microsoft.com/office/2006/metadata/properties" ma:root="true" ma:fieldsID="395891a93df65b14727750f2c06c306c" ns1:_="" ns2:_="" ns3:_="" ns4:_="">
     <xsd:import namespace="http://schemas.microsoft.com/sharepoint/v3"/>
@@ -20732,6 +20723,15 @@
 </ct:contentTypeSchema>
 </file>
 
+<file path=customXml/item2.xml><?xml version="1.0" encoding="utf-8"?>
+<?mso-contentType ?>
+<FormTemplates xmlns="http://schemas.microsoft.com/sharepoint/v3/contenttype/forms">
+  <Display>DocumentLibraryForm</Display>
+  <Edit>DocumentLibraryForm</Edit>
+  <New>DocumentLibraryForm</New>
+</FormTemplates>
+</file>
+
 <file path=customXml/item3.xml><?xml version="1.0" encoding="utf-8"?>
 <p:properties xmlns:p="http://schemas.microsoft.com/office/2006/metadata/properties" xmlns:xsi="http://www.w3.org/2001/XMLSchema-instance" xmlns:pc="http://schemas.microsoft.com/office/infopath/2007/PartnerControls">
   <documentManagement>
@@ -20752,14 +20752,6 @@
 </file>
 
 <file path=customXml/itemProps1.xml><?xml version="1.0" encoding="utf-8"?>
-<ds:datastoreItem xmlns:ds="http://schemas.openxmlformats.org/officeDocument/2006/customXml" ds:itemID="{42BC90D6-94CF-42F7-AAC4-9CF6824C54D5}">
-  <ds:schemaRefs>
-    <ds:schemaRef ds:uri="http://schemas.microsoft.com/sharepoint/v3/contenttype/forms"/>
-  </ds:schemaRefs>
-</ds:datastoreItem>
-</file>
-
-<file path=customXml/itemProps2.xml><?xml version="1.0" encoding="utf-8"?>
 <ds:datastoreItem xmlns:ds="http://schemas.openxmlformats.org/officeDocument/2006/customXml" ds:itemID="{64CF2EF3-001F-4BE9-81B3-86ECBBF9425F}">
   <ds:schemaRefs>
     <ds:schemaRef ds:uri="http://schemas.microsoft.com/office/2006/metadata/contentType"/>
@@ -20776,6 +20768,14 @@
     <ds:schemaRef ds:uri="http://purl.org/dc/elements/1.1/"/>
     <ds:schemaRef ds:uri="http://purl.org/dc/terms/"/>
     <ds:schemaRef ds:uri="http://schemas.microsoft.com/internal/obd"/>
+  </ds:schemaRefs>
+</ds:datastoreItem>
+</file>
+
+<file path=customXml/itemProps2.xml><?xml version="1.0" encoding="utf-8"?>
+<ds:datastoreItem xmlns:ds="http://schemas.openxmlformats.org/officeDocument/2006/customXml" ds:itemID="{42BC90D6-94CF-42F7-AAC4-9CF6824C54D5}">
+  <ds:schemaRefs>
+    <ds:schemaRef ds:uri="http://schemas.microsoft.com/sharepoint/v3/contenttype/forms"/>
   </ds:schemaRefs>
 </ds:datastoreItem>
 </file>

--- a/doc/Location TVM.pptx
+++ b/doc/Location TVM.pptx
@@ -253,7 +253,7 @@
             <a:pPr rtl="0"/>
             <a:fld id="{996F3730-8562-4D7F-A2D1-B258C4FC42CB}" type="datetime1">
               <a:rPr lang="fr-FR" smtClean="0"/>
-              <a:t>16/09/2024</a:t>
+              <a:t>24/09/2024</a:t>
             </a:fld>
             <a:endParaRPr lang="fr-FR"/>
           </a:p>
@@ -435,7 +435,7 @@
             <a:fld id="{0F28B237-C4D2-43EE-AC18-AA163EB3D7BC}" type="datetime1">
               <a:rPr lang="fr-FR" smtClean="0"/>
               <a:pPr/>
-              <a:t>16/09/2024</a:t>
+              <a:t>24/09/2024</a:t>
             </a:fld>
             <a:endParaRPr lang="fr-FR" dirty="0"/>
           </a:p>
@@ -1025,7 +1025,7 @@
           <a:bodyPr/>
           <a:lstStyle/>
           <a:p>
-            <a:endParaRPr lang="fr-FR"/>
+            <a:endParaRPr lang="fr-FR" dirty="0"/>
           </a:p>
         </p:txBody>
       </p:sp>
@@ -17683,8 +17683,8 @@
         </p:nvSpPr>
         <p:spPr>
           <a:xfrm>
-            <a:off x="3216925" y="341524"/>
-            <a:ext cx="8703326" cy="6180462"/>
+            <a:off x="3053639" y="2975868"/>
+            <a:ext cx="8703326" cy="4328447"/>
           </a:xfrm>
         </p:spPr>
         <p:txBody>
@@ -17710,100 +17710,11 @@
             </a:pPr>
             <a:r>
               <a:rPr lang="en-US" sz="2400" b="1" dirty="0"/>
-              <a:t>Scalability:</a:t>
-            </a:r>
-            <a:r>
-              <a:rPr lang="en-US" sz="2400" dirty="0"/>
-              <a:t> Ensuring the system can handle a growing number of users and rental transactions.</a:t>
-            </a:r>
-          </a:p>
-          <a:p>
-            <a:pPr lvl="1">
-              <a:buFont typeface="Arial" panose="020B0604020202020204" pitchFamily="34" charset="0"/>
-              <a:buChar char="•"/>
-            </a:pPr>
-            <a:r>
-              <a:rPr lang="en-US" sz="2400" b="1" dirty="0"/>
-              <a:t>Real-Time Tracking:</a:t>
-            </a:r>
-            <a:r>
-              <a:rPr lang="en-US" sz="2400" dirty="0"/>
-              <a:t> Implementing accurate GPS tracking and real-time updates.</a:t>
-            </a:r>
-          </a:p>
-          <a:p>
-            <a:pPr lvl="1">
-              <a:buFont typeface="Arial" panose="020B0604020202020204" pitchFamily="34" charset="0"/>
-              <a:buChar char="•"/>
-            </a:pPr>
-            <a:r>
-              <a:rPr lang="en-US" sz="2400" b="1" dirty="0"/>
-              <a:t>Payment Security:</a:t>
-            </a:r>
-            <a:r>
-              <a:rPr lang="en-US" sz="2400" dirty="0"/>
-              <a:t> Securing transactions and handling sensitive payment information.</a:t>
-            </a:r>
-          </a:p>
-          <a:p>
-            <a:pPr lvl="1">
-              <a:buFont typeface="Arial" panose="020B0604020202020204" pitchFamily="34" charset="0"/>
-              <a:buChar char="•"/>
-            </a:pPr>
-            <a:r>
-              <a:rPr lang="en-US" sz="2400" b="1" dirty="0"/>
               <a:t>User Experience:</a:t>
             </a:r>
             <a:r>
               <a:rPr lang="en-US" sz="2400" dirty="0"/>
               <a:t> Designing an intuitive interface for seamless navigation and booking.</a:t>
-            </a:r>
-          </a:p>
-          <a:p>
-            <a:pPr marL="342900" indent="-342900">
-              <a:buFont typeface="Wingdings" panose="05000000000000000000" pitchFamily="2" charset="2"/>
-              <a:buChar char="Ø"/>
-            </a:pPr>
-            <a:r>
-              <a:rPr lang="en-US" sz="2400" b="1" dirty="0"/>
-              <a:t>Mock-ups (if applicable):</a:t>
-            </a:r>
-            <a:endParaRPr lang="en-US" sz="2400" dirty="0"/>
-          </a:p>
-          <a:p>
-            <a:pPr lvl="1">
-              <a:buFont typeface="Arial" panose="020B0604020202020204" pitchFamily="34" charset="0"/>
-              <a:buChar char="•"/>
-            </a:pPr>
-            <a:r>
-              <a:rPr lang="en-US" sz="2400" b="1" dirty="0"/>
-              <a:t>User Interface Mock-ups:</a:t>
-            </a:r>
-            <a:r>
-              <a:rPr lang="en-US" sz="2400" dirty="0"/>
-              <a:t> Provide visual designs for the user dashboard, booking screens, and rental options.</a:t>
-            </a:r>
-          </a:p>
-          <a:p>
-            <a:pPr lvl="1">
-              <a:buFont typeface="Arial" panose="020B0604020202020204" pitchFamily="34" charset="0"/>
-              <a:buChar char="•"/>
-            </a:pPr>
-            <a:r>
-              <a:rPr lang="en-US" sz="2400" b="1" dirty="0"/>
-              <a:t>System Flow Diagrams:</a:t>
-            </a:r>
-            <a:r>
-              <a:rPr lang="en-US" sz="2400" dirty="0"/>
-              <a:t> Illustrate the flow of data and interactions between the front-end, </a:t>
-            </a:r>
-            <a:r>
-              <a:rPr lang="en-US" sz="2400" dirty="0" err="1"/>
-              <a:t>back-end</a:t>
-            </a:r>
-            <a:r>
-              <a:rPr lang="en-US" sz="2400" dirty="0"/>
-              <a:t>, and external services.</a:t>
             </a:r>
           </a:p>
           <a:p>
@@ -18499,7 +18410,7 @@
                 <a:cs typeface="Lato"/>
                 <a:sym typeface="Lato"/>
               </a:rPr>
-              <a:t>Front-end: HTML, CSS, JavaScript, Bootstrap, React</a:t>
+              <a:t>Front-end: HTML, CSS, JavaScript, Bootstrap</a:t>
             </a:r>
           </a:p>
           <a:p>
@@ -18933,13 +18844,13 @@
                 <a:cs typeface="Raleway SemiBold"/>
                 <a:sym typeface="Raleway SemiBold"/>
               </a:rPr>
-              <a:t>: </a:t>
+              <a:t>: Bootstrap</a:t>
             </a:r>
             <a:r>
               <a:rPr lang="en-US" sz="2400" dirty="0">
                 <a:latin typeface="+mj-lt"/>
               </a:rPr>
-              <a:t>React.js for developing an interactive and adaptive user interface.</a:t>
+              <a:t> for developing an interactive and adaptive user interface.</a:t>
             </a:r>
             <a:endParaRPr lang="ar-MA" sz="2400" dirty="0">
               <a:latin typeface="+mj-lt"/>
